--- a/Documentation/Database Join.pptx
+++ b/Documentation/Database Join.pptx
@@ -8,11 +8,11 @@
     <p:sldId id="256" r:id="rId2"/>
     <p:sldId id="261" r:id="rId3"/>
     <p:sldId id="262" r:id="rId4"/>
-    <p:sldId id="257" r:id="rId5"/>
-    <p:sldId id="258" r:id="rId6"/>
-    <p:sldId id="259" r:id="rId7"/>
-    <p:sldId id="264" r:id="rId8"/>
-    <p:sldId id="263" r:id="rId9"/>
+    <p:sldId id="265" r:id="rId5"/>
+    <p:sldId id="257" r:id="rId6"/>
+    <p:sldId id="258" r:id="rId7"/>
+    <p:sldId id="259" r:id="rId8"/>
+    <p:sldId id="264" r:id="rId9"/>
     <p:sldId id="260" r:id="rId10"/>
   </p:sldIdLst>
   <p:sldSz cx="12192000" cy="6858000"/>
@@ -451,11 +451,11 @@
         </c:dLbls>
         <c:gapWidth val="219"/>
         <c:overlap val="-27"/>
-        <c:axId val="317287224"/>
-        <c:axId val="317287616"/>
+        <c:axId val="307723792"/>
+        <c:axId val="307724184"/>
       </c:barChart>
       <c:catAx>
-        <c:axId val="317287224"/>
+        <c:axId val="307723792"/>
         <c:scaling>
           <c:orientation val="minMax"/>
         </c:scaling>
@@ -553,7 +553,7 @@
             <a:endParaRPr lang="en-US"/>
           </a:p>
         </c:txPr>
-        <c:crossAx val="317287616"/>
+        <c:crossAx val="307724184"/>
         <c:crosses val="autoZero"/>
         <c:auto val="1"/>
         <c:lblAlgn val="ctr"/>
@@ -561,7 +561,7 @@
         <c:noMultiLvlLbl val="0"/>
       </c:catAx>
       <c:valAx>
-        <c:axId val="317287616"/>
+        <c:axId val="307724184"/>
         <c:scaling>
           <c:orientation val="minMax"/>
         </c:scaling>
@@ -667,7 +667,7 @@
             <a:endParaRPr lang="en-US"/>
           </a:p>
         </c:txPr>
-        <c:crossAx val="317287224"/>
+        <c:crossAx val="307723792"/>
         <c:crosses val="autoZero"/>
         <c:crossBetween val="between"/>
       </c:valAx>
@@ -1037,11 +1037,11 @@
         </c:dLbls>
         <c:gapWidth val="219"/>
         <c:overlap val="-27"/>
-        <c:axId val="531765760"/>
-        <c:axId val="531760272"/>
+        <c:axId val="13492320"/>
+        <c:axId val="13492712"/>
       </c:barChart>
       <c:catAx>
-        <c:axId val="531765760"/>
+        <c:axId val="13492320"/>
         <c:scaling>
           <c:orientation val="minMax"/>
         </c:scaling>
@@ -1144,7 +1144,7 @@
             <a:endParaRPr lang="en-US"/>
           </a:p>
         </c:txPr>
-        <c:crossAx val="531760272"/>
+        <c:crossAx val="13492712"/>
         <c:crosses val="autoZero"/>
         <c:auto val="1"/>
         <c:lblAlgn val="ctr"/>
@@ -1152,7 +1152,7 @@
         <c:noMultiLvlLbl val="0"/>
       </c:catAx>
       <c:valAx>
-        <c:axId val="531760272"/>
+        <c:axId val="13492712"/>
         <c:scaling>
           <c:orientation val="minMax"/>
         </c:scaling>
@@ -1263,7 +1263,7 @@
             <a:endParaRPr lang="en-US"/>
           </a:p>
         </c:txPr>
-        <c:crossAx val="531765760"/>
+        <c:crossAx val="13492320"/>
         <c:crosses val="autoZero"/>
         <c:crossBetween val="between"/>
       </c:valAx>
@@ -2519,7 +2519,7 @@
           <a:p>
             <a:fld id="{9929294F-FD0C-4E5B-BF40-6F4A702FFFD0}" type="datetimeFigureOut">
               <a:rPr lang="en-US" smtClean="0"/>
-              <a:t>3/11/2017</a:t>
+              <a:t>3/14/2017</a:t>
             </a:fld>
             <a:endParaRPr lang="en-US"/>
           </a:p>
@@ -2689,7 +2689,7 @@
           <a:p>
             <a:fld id="{9929294F-FD0C-4E5B-BF40-6F4A702FFFD0}" type="datetimeFigureOut">
               <a:rPr lang="en-US" smtClean="0"/>
-              <a:t>3/11/2017</a:t>
+              <a:t>3/14/2017</a:t>
             </a:fld>
             <a:endParaRPr lang="en-US"/>
           </a:p>
@@ -2869,7 +2869,7 @@
           <a:p>
             <a:fld id="{9929294F-FD0C-4E5B-BF40-6F4A702FFFD0}" type="datetimeFigureOut">
               <a:rPr lang="en-US" smtClean="0"/>
-              <a:t>3/11/2017</a:t>
+              <a:t>3/14/2017</a:t>
             </a:fld>
             <a:endParaRPr lang="en-US"/>
           </a:p>
@@ -3039,7 +3039,7 @@
           <a:p>
             <a:fld id="{9929294F-FD0C-4E5B-BF40-6F4A702FFFD0}" type="datetimeFigureOut">
               <a:rPr lang="en-US" smtClean="0"/>
-              <a:t>3/11/2017</a:t>
+              <a:t>3/14/2017</a:t>
             </a:fld>
             <a:endParaRPr lang="en-US"/>
           </a:p>
@@ -3285,7 +3285,7 @@
           <a:p>
             <a:fld id="{9929294F-FD0C-4E5B-BF40-6F4A702FFFD0}" type="datetimeFigureOut">
               <a:rPr lang="en-US" smtClean="0"/>
-              <a:t>3/11/2017</a:t>
+              <a:t>3/14/2017</a:t>
             </a:fld>
             <a:endParaRPr lang="en-US"/>
           </a:p>
@@ -3517,7 +3517,7 @@
           <a:p>
             <a:fld id="{9929294F-FD0C-4E5B-BF40-6F4A702FFFD0}" type="datetimeFigureOut">
               <a:rPr lang="en-US" smtClean="0"/>
-              <a:t>3/11/2017</a:t>
+              <a:t>3/14/2017</a:t>
             </a:fld>
             <a:endParaRPr lang="en-US"/>
           </a:p>
@@ -3884,7 +3884,7 @@
           <a:p>
             <a:fld id="{9929294F-FD0C-4E5B-BF40-6F4A702FFFD0}" type="datetimeFigureOut">
               <a:rPr lang="en-US" smtClean="0"/>
-              <a:t>3/11/2017</a:t>
+              <a:t>3/14/2017</a:t>
             </a:fld>
             <a:endParaRPr lang="en-US"/>
           </a:p>
@@ -4002,7 +4002,7 @@
           <a:p>
             <a:fld id="{9929294F-FD0C-4E5B-BF40-6F4A702FFFD0}" type="datetimeFigureOut">
               <a:rPr lang="en-US" smtClean="0"/>
-              <a:t>3/11/2017</a:t>
+              <a:t>3/14/2017</a:t>
             </a:fld>
             <a:endParaRPr lang="en-US"/>
           </a:p>
@@ -4097,7 +4097,7 @@
           <a:p>
             <a:fld id="{9929294F-FD0C-4E5B-BF40-6F4A702FFFD0}" type="datetimeFigureOut">
               <a:rPr lang="en-US" smtClean="0"/>
-              <a:t>3/11/2017</a:t>
+              <a:t>3/14/2017</a:t>
             </a:fld>
             <a:endParaRPr lang="en-US"/>
           </a:p>
@@ -4374,7 +4374,7 @@
           <a:p>
             <a:fld id="{9929294F-FD0C-4E5B-BF40-6F4A702FFFD0}" type="datetimeFigureOut">
               <a:rPr lang="en-US" smtClean="0"/>
-              <a:t>3/11/2017</a:t>
+              <a:t>3/14/2017</a:t>
             </a:fld>
             <a:endParaRPr lang="en-US"/>
           </a:p>
@@ -4631,7 +4631,7 @@
           <a:p>
             <a:fld id="{9929294F-FD0C-4E5B-BF40-6F4A702FFFD0}" type="datetimeFigureOut">
               <a:rPr lang="en-US" smtClean="0"/>
-              <a:t>3/11/2017</a:t>
+              <a:t>3/14/2017</a:t>
             </a:fld>
             <a:endParaRPr lang="en-US"/>
           </a:p>
@@ -4844,7 +4844,7 @@
           <a:p>
             <a:fld id="{9929294F-FD0C-4E5B-BF40-6F4A702FFFD0}" type="datetimeFigureOut">
               <a:rPr lang="en-US" smtClean="0"/>
-              <a:t>3/11/2017</a:t>
+              <a:t>3/14/2017</a:t>
             </a:fld>
             <a:endParaRPr lang="en-US"/>
           </a:p>
@@ -5574,8 +5574,8 @@
         </p:nvSpPr>
         <p:spPr>
           <a:xfrm>
-            <a:off x="6790447" y="2510987"/>
-            <a:ext cx="2627964" cy="1477328"/>
+            <a:off x="6627519" y="2510987"/>
+            <a:ext cx="2953822" cy="1477328"/>
           </a:xfrm>
           <a:prstGeom prst="rect">
             <a:avLst/>
@@ -5598,14 +5598,14 @@
             <a:pPr algn="ctr"/>
             <a:r>
               <a:rPr lang="en-US" dirty="0"/>
-              <a:t>With only the elements </a:t>
+              <a:t>With only common elements </a:t>
             </a:r>
           </a:p>
           <a:p>
             <a:pPr algn="ctr"/>
             <a:r>
               <a:rPr lang="en-US" dirty="0"/>
-              <a:t> common on the input </a:t>
+              <a:t> on the input </a:t>
             </a:r>
           </a:p>
           <a:p>
@@ -5677,33 +5677,15 @@
                                   </p:childTnLst>
                                 </p:cTn>
                               </p:par>
-                            </p:childTnLst>
-                          </p:cTn>
-                        </p:par>
-                      </p:childTnLst>
-                    </p:cTn>
-                  </p:par>
-                  <p:par>
-                    <p:cTn id="7" fill="hold">
-                      <p:stCondLst>
-                        <p:cond delay="indefinite"/>
-                      </p:stCondLst>
-                      <p:childTnLst>
-                        <p:par>
-                          <p:cTn id="8" fill="hold">
-                            <p:stCondLst>
-                              <p:cond delay="0"/>
-                            </p:stCondLst>
-                            <p:childTnLst>
                               <p:par>
-                                <p:cTn id="9" presetID="1" presetClass="entr" presetSubtype="0" fill="hold" grpId="0" nodeType="clickEffect">
+                                <p:cTn id="7" presetID="1" presetClass="entr" presetSubtype="0" fill="hold" grpId="0" nodeType="withEffect">
                                   <p:stCondLst>
                                     <p:cond delay="0"/>
                                   </p:stCondLst>
                                   <p:childTnLst>
                                     <p:set>
                                       <p:cBhvr>
-                                        <p:cTn id="10" dur="1" fill="hold">
+                                        <p:cTn id="8" dur="1" fill="hold">
                                           <p:stCondLst>
                                             <p:cond delay="0"/>
                                           </p:stCondLst>
@@ -5723,14 +5705,14 @@
                                 </p:cTn>
                               </p:par>
                               <p:par>
-                                <p:cTn id="11" presetID="1" presetClass="entr" presetSubtype="0" fill="hold" grpId="0" nodeType="withEffect">
+                                <p:cTn id="9" presetID="1" presetClass="entr" presetSubtype="0" fill="hold" grpId="0" nodeType="withEffect">
                                   <p:stCondLst>
                                     <p:cond delay="0"/>
                                   </p:stCondLst>
                                   <p:childTnLst>
                                     <p:set>
                                       <p:cBhvr>
-                                        <p:cTn id="12" dur="1" fill="hold">
+                                        <p:cTn id="10" dur="1" fill="hold">
                                           <p:stCondLst>
                                             <p:cond delay="0"/>
                                           </p:stCondLst>
@@ -5756,26 +5738,71 @@
                     </p:cTn>
                   </p:par>
                   <p:par>
-                    <p:cTn id="13" fill="hold">
+                    <p:cTn id="11" fill="hold">
                       <p:stCondLst>
                         <p:cond delay="indefinite"/>
                       </p:stCondLst>
                       <p:childTnLst>
                         <p:par>
-                          <p:cTn id="14" fill="hold">
+                          <p:cTn id="12" fill="hold">
                             <p:stCondLst>
                               <p:cond delay="0"/>
                             </p:stCondLst>
                             <p:childTnLst>
                               <p:par>
-                                <p:cTn id="15" presetID="1" presetClass="exit" presetSubtype="0" fill="hold" grpId="1" nodeType="clickEffect">
+                                <p:cTn id="13" presetID="1" presetClass="entr" presetSubtype="0" fill="hold" grpId="0" nodeType="clickEffect">
                                   <p:stCondLst>
                                     <p:cond delay="0"/>
                                   </p:stCondLst>
                                   <p:childTnLst>
                                     <p:set>
                                       <p:cBhvr>
-                                        <p:cTn id="16" dur="1" fill="hold">
+                                        <p:cTn id="14" dur="1" fill="hold">
+                                          <p:stCondLst>
+                                            <p:cond delay="0"/>
+                                          </p:stCondLst>
+                                        </p:cTn>
+                                        <p:tgtEl>
+                                          <p:spTgt spid="23"/>
+                                        </p:tgtEl>
+                                        <p:attrNameLst>
+                                          <p:attrName>style.visibility</p:attrName>
+                                        </p:attrNameLst>
+                                      </p:cBhvr>
+                                      <p:to>
+                                        <p:strVal val="visible"/>
+                                      </p:to>
+                                    </p:set>
+                                  </p:childTnLst>
+                                </p:cTn>
+                              </p:par>
+                            </p:childTnLst>
+                          </p:cTn>
+                        </p:par>
+                      </p:childTnLst>
+                    </p:cTn>
+                  </p:par>
+                  <p:par>
+                    <p:cTn id="15" fill="hold">
+                      <p:stCondLst>
+                        <p:cond delay="indefinite"/>
+                      </p:stCondLst>
+                      <p:childTnLst>
+                        <p:par>
+                          <p:cTn id="16" fill="hold">
+                            <p:stCondLst>
+                              <p:cond delay="0"/>
+                            </p:stCondLst>
+                            <p:childTnLst>
+                              <p:par>
+                                <p:cTn id="17" presetID="1" presetClass="exit" presetSubtype="0" fill="hold" grpId="1" nodeType="clickEffect">
+                                  <p:stCondLst>
+                                    <p:cond delay="0"/>
+                                  </p:stCondLst>
+                                  <p:childTnLst>
+                                    <p:set>
+                                      <p:cBhvr>
+                                        <p:cTn id="18" dur="1" fill="hold">
                                           <p:stCondLst>
                                             <p:cond delay="0"/>
                                           </p:stCondLst>
@@ -5801,71 +5828,26 @@
                     </p:cTn>
                   </p:par>
                   <p:par>
-                    <p:cTn id="17" fill="hold">
+                    <p:cTn id="19" fill="hold">
                       <p:stCondLst>
                         <p:cond delay="indefinite"/>
                       </p:stCondLst>
                       <p:childTnLst>
                         <p:par>
-                          <p:cTn id="18" fill="hold">
+                          <p:cTn id="20" fill="hold">
                             <p:stCondLst>
                               <p:cond delay="0"/>
                             </p:stCondLst>
                             <p:childTnLst>
                               <p:par>
-                                <p:cTn id="19" presetID="1" presetClass="entr" presetSubtype="0" fill="hold" grpId="0" nodeType="clickEffect">
+                                <p:cTn id="21" presetID="1" presetClass="entr" presetSubtype="0" fill="hold" grpId="0" nodeType="clickEffect">
                                   <p:stCondLst>
                                     <p:cond delay="0"/>
                                   </p:stCondLst>
                                   <p:childTnLst>
                                     <p:set>
                                       <p:cBhvr>
-                                        <p:cTn id="20" dur="1" fill="hold">
-                                          <p:stCondLst>
-                                            <p:cond delay="0"/>
-                                          </p:stCondLst>
-                                        </p:cTn>
-                                        <p:tgtEl>
-                                          <p:spTgt spid="23"/>
-                                        </p:tgtEl>
-                                        <p:attrNameLst>
-                                          <p:attrName>style.visibility</p:attrName>
-                                        </p:attrNameLst>
-                                      </p:cBhvr>
-                                      <p:to>
-                                        <p:strVal val="visible"/>
-                                      </p:to>
-                                    </p:set>
-                                  </p:childTnLst>
-                                </p:cTn>
-                              </p:par>
-                            </p:childTnLst>
-                          </p:cTn>
-                        </p:par>
-                      </p:childTnLst>
-                    </p:cTn>
-                  </p:par>
-                  <p:par>
-                    <p:cTn id="21" fill="hold">
-                      <p:stCondLst>
-                        <p:cond delay="indefinite"/>
-                      </p:stCondLst>
-                      <p:childTnLst>
-                        <p:par>
-                          <p:cTn id="22" fill="hold">
-                            <p:stCondLst>
-                              <p:cond delay="0"/>
-                            </p:stCondLst>
-                            <p:childTnLst>
-                              <p:par>
-                                <p:cTn id="23" presetID="1" presetClass="entr" presetSubtype="0" fill="hold" grpId="0" nodeType="clickEffect">
-                                  <p:stCondLst>
-                                    <p:cond delay="0"/>
-                                  </p:stCondLst>
-                                  <p:childTnLst>
-                                    <p:set>
-                                      <p:cBhvr>
-                                        <p:cTn id="24" dur="1" fill="hold">
+                                        <p:cTn id="22" dur="1" fill="hold">
                                           <p:stCondLst>
                                             <p:cond delay="0"/>
                                           </p:stCondLst>
@@ -5885,14 +5867,14 @@
                                 </p:cTn>
                               </p:par>
                               <p:par>
-                                <p:cTn id="25" presetID="1" presetClass="entr" presetSubtype="0" fill="hold" grpId="0" nodeType="withEffect">
+                                <p:cTn id="23" presetID="1" presetClass="entr" presetSubtype="0" fill="hold" grpId="0" nodeType="withEffect">
                                   <p:stCondLst>
                                     <p:cond delay="0"/>
                                   </p:stCondLst>
                                   <p:childTnLst>
                                     <p:set>
                                       <p:cBhvr>
-                                        <p:cTn id="26" dur="1" fill="hold">
+                                        <p:cTn id="24" dur="1" fill="hold">
                                           <p:stCondLst>
                                             <p:cond delay="0"/>
                                           </p:stCondLst>
@@ -8260,7 +8242,124 @@
           <a:p>
             <a:r>
               <a:rPr lang="en-US" dirty="0"/>
-              <a:t>Our Implementation </a:t>
+              <a:t>Data Generation</a:t>
+            </a:r>
+          </a:p>
+        </p:txBody>
+      </p:sp>
+      <p:sp>
+        <p:nvSpPr>
+          <p:cNvPr id="3" name="Content Placeholder 2"/>
+          <p:cNvSpPr>
+            <a:spLocks noGrp="1"/>
+          </p:cNvSpPr>
+          <p:nvPr>
+            <p:ph idx="1"/>
+          </p:nvPr>
+        </p:nvSpPr>
+        <p:spPr/>
+        <p:txBody>
+          <a:bodyPr/>
+          <a:lstStyle/>
+          <a:p>
+            <a:r>
+              <a:rPr lang="en-US" dirty="0"/>
+              <a:t>We used census information for names and surnames list</a:t>
+            </a:r>
+          </a:p>
+          <a:p>
+            <a:r>
+              <a:rPr lang="en-US" dirty="0"/>
+              <a:t>List of cities and postal codes from and online source</a:t>
+            </a:r>
+          </a:p>
+          <a:p>
+            <a:r>
+              <a:rPr lang="en-US" dirty="0"/>
+              <a:t>Python scripts to:</a:t>
+            </a:r>
+          </a:p>
+          <a:p>
+            <a:pPr lvl="1"/>
+            <a:r>
+              <a:rPr lang="en-US" dirty="0"/>
+              <a:t>Generate random numbers </a:t>
+            </a:r>
+          </a:p>
+          <a:p>
+            <a:pPr lvl="1"/>
+            <a:r>
+              <a:rPr lang="en-US" dirty="0"/>
+              <a:t>Generate random names using list </a:t>
+            </a:r>
+          </a:p>
+          <a:p>
+            <a:pPr lvl="1"/>
+            <a:r>
+              <a:rPr lang="en-US" dirty="0"/>
+              <a:t>Pick names from sources </a:t>
+            </a:r>
+          </a:p>
+          <a:p>
+            <a:pPr lvl="1"/>
+            <a:r>
+              <a:rPr lang="en-US" dirty="0"/>
+              <a:t>Generate employee and trip database</a:t>
+            </a:r>
+          </a:p>
+          <a:p>
+            <a:endParaRPr lang="en-US" dirty="0"/>
+          </a:p>
+        </p:txBody>
+      </p:sp>
+    </p:spTree>
+    <p:extLst>
+      <p:ext uri="{BB962C8B-B14F-4D97-AF65-F5344CB8AC3E}">
+        <p14:creationId xmlns:p14="http://schemas.microsoft.com/office/powerpoint/2010/main" val="2571746627"/>
+      </p:ext>
+    </p:extLst>
+  </p:cSld>
+  <p:clrMapOvr>
+    <a:masterClrMapping/>
+  </p:clrMapOvr>
+</p:sld>
+</file>
+
+<file path=ppt/slides/slide5.xml><?xml version="1.0" encoding="utf-8"?>
+<p:sld xmlns:a="http://schemas.openxmlformats.org/drawingml/2006/main" xmlns:r="http://schemas.openxmlformats.org/officeDocument/2006/relationships" xmlns:p="http://schemas.openxmlformats.org/presentationml/2006/main">
+  <p:cSld>
+    <p:spTree>
+      <p:nvGrpSpPr>
+        <p:cNvPr id="1" name=""/>
+        <p:cNvGrpSpPr/>
+        <p:nvPr/>
+      </p:nvGrpSpPr>
+      <p:grpSpPr>
+        <a:xfrm>
+          <a:off x="0" y="0"/>
+          <a:ext cx="0" cy="0"/>
+          <a:chOff x="0" y="0"/>
+          <a:chExt cx="0" cy="0"/>
+        </a:xfrm>
+      </p:grpSpPr>
+      <p:sp>
+        <p:nvSpPr>
+          <p:cNvPr id="2" name="Title 1"/>
+          <p:cNvSpPr>
+            <a:spLocks noGrp="1"/>
+          </p:cNvSpPr>
+          <p:nvPr>
+            <p:ph type="title"/>
+          </p:nvPr>
+        </p:nvSpPr>
+        <p:spPr/>
+        <p:txBody>
+          <a:bodyPr/>
+          <a:lstStyle/>
+          <a:p>
+            <a:r>
+              <a:rPr lang="en-US" dirty="0"/>
+              <a:t>Our Parallel Implementation </a:t>
             </a:r>
           </a:p>
         </p:txBody>
@@ -8346,7 +8445,7 @@
             <a:pPr algn="ctr"/>
             <a:r>
               <a:rPr lang="en-US" dirty="0"/>
-              <a:t>C</a:t>
+              <a:t>T</a:t>
             </a:r>
             <a:r>
               <a:rPr lang="en-US" sz="1200" dirty="0"/>
@@ -8393,11 +8492,11 @@
             <a:pPr algn="ctr"/>
             <a:r>
               <a:rPr lang="en-US" dirty="0"/>
-              <a:t>C</a:t>
+              <a:t>T</a:t>
             </a:r>
             <a:r>
               <a:rPr lang="en-US" sz="1200" dirty="0"/>
-              <a:t>3</a:t>
+              <a:t>t</a:t>
             </a:r>
           </a:p>
         </p:txBody>
@@ -8440,7 +8539,7 @@
             <a:pPr algn="ctr"/>
             <a:r>
               <a:rPr lang="en-US" dirty="0"/>
-              <a:t>C</a:t>
+              <a:t>T</a:t>
             </a:r>
             <a:r>
               <a:rPr lang="en-US" sz="1200" dirty="0"/>
@@ -8699,7 +8798,7 @@
             </a:r>
             <a:r>
               <a:rPr lang="en-US" sz="1200" dirty="0"/>
-              <a:t>t,0</a:t>
+              <a:t>0,n</a:t>
             </a:r>
           </a:p>
         </p:txBody>
@@ -8840,7 +8939,7 @@
             </a:r>
             <a:r>
               <a:rPr lang="en-US" sz="1200" dirty="0"/>
-              <a:t>t,1</a:t>
+              <a:t>1,1</a:t>
             </a:r>
           </a:p>
         </p:txBody>
@@ -8882,13 +8981,14 @@
           <a:p>
             <a:pPr algn="ctr"/>
             <a:r>
-              <a:rPr lang="en-US" dirty="0"/>
+              <a:rPr lang="en-US" dirty="0" err="1"/>
               <a:t>H</a:t>
             </a:r>
             <a:r>
-              <a:rPr lang="en-US" sz="1200" dirty="0"/>
-              <a:t>0,n</a:t>
-            </a:r>
+              <a:rPr lang="en-US" sz="1200" dirty="0" err="1"/>
+              <a:t>t,n</a:t>
+            </a:r>
+            <a:endParaRPr lang="en-US" sz="1200" dirty="0"/>
           </a:p>
         </p:txBody>
       </p:sp>
@@ -9029,7 +9129,7 @@
             </a:r>
             <a:r>
               <a:rPr lang="en-US" sz="1200" dirty="0"/>
-              <a:t>1,0</a:t>
+              <a:t>0,1</a:t>
             </a:r>
           </a:p>
         </p:txBody>
@@ -9190,14 +9290,13 @@
           <p:cNvPr id="36" name="Straight Arrow Connector 35"/>
           <p:cNvCxnSpPr>
             <a:stCxn id="9" idx="3"/>
-            <a:endCxn id="19" idx="1"/>
           </p:cNvCxnSpPr>
           <p:nvPr/>
         </p:nvCxnSpPr>
         <p:spPr>
-          <a:xfrm flipV="1">
-            <a:off x="3400816" y="4001294"/>
-            <a:ext cx="2669992" cy="93946"/>
+          <a:xfrm>
+            <a:off x="3400816" y="4095240"/>
+            <a:ext cx="2633167" cy="108646"/>
           </a:xfrm>
           <a:prstGeom prst="straightConnector1">
             <a:avLst/>
@@ -9272,7 +9371,7 @@
         <p:spPr>
           <a:xfrm>
             <a:off x="5953380" y="1397255"/>
-            <a:ext cx="2758191" cy="923330"/>
+            <a:ext cx="4137286" cy="923330"/>
           </a:xfrm>
           <a:prstGeom prst="rect">
             <a:avLst/>
@@ -9293,13 +9392,13 @@
           <a:p>
             <a:r>
               <a:rPr lang="en-US" dirty="0"/>
-              <a:t>Create a 2D array </a:t>
+              <a:t>Create one array per thread</a:t>
             </a:r>
           </a:p>
           <a:p>
             <a:r>
               <a:rPr lang="en-US" dirty="0"/>
-              <a:t>To store the hashed results </a:t>
+              <a:t>Each element is a pointer to a Linked List </a:t>
             </a:r>
           </a:p>
         </p:txBody>
@@ -9348,15 +9447,13 @@
       <p:cxnSp>
         <p:nvCxnSpPr>
           <p:cNvPr id="46" name="Straight Arrow Connector 45"/>
-          <p:cNvCxnSpPr>
-            <a:endCxn id="17" idx="1"/>
-          </p:cNvCxnSpPr>
+          <p:cNvCxnSpPr/>
           <p:nvPr/>
         </p:nvCxnSpPr>
         <p:spPr>
           <a:xfrm flipV="1">
-            <a:off x="3400815" y="3174576"/>
-            <a:ext cx="3545636" cy="2260521"/>
+            <a:off x="3215295" y="3174576"/>
+            <a:ext cx="3900200" cy="2260521"/>
           </a:xfrm>
           <a:prstGeom prst="straightConnector1">
             <a:avLst/>
@@ -9519,7 +9616,7 @@
           <a:p>
             <a:r>
               <a:rPr lang="en-US" dirty="0"/>
-              <a:t>Two Dimensional array. </a:t>
+              <a:t>Two-Dimensional array. </a:t>
             </a:r>
           </a:p>
           <a:p>
@@ -10760,7 +10857,7 @@
 </p:sld>
 </file>
 
-<file path=ppt/slides/slide5.xml><?xml version="1.0" encoding="utf-8"?>
+<file path=ppt/slides/slide6.xml><?xml version="1.0" encoding="utf-8"?>
 <p:sld xmlns:a="http://schemas.openxmlformats.org/drawingml/2006/main" xmlns:r="http://schemas.openxmlformats.org/officeDocument/2006/relationships" xmlns:p="http://schemas.openxmlformats.org/presentationml/2006/main">
   <p:cSld>
     <p:spTree>
@@ -10777,470 +10874,6 @@
           <a:chExt cx="0" cy="0"/>
         </a:xfrm>
       </p:grpSpPr>
-      <p:sp>
-        <p:nvSpPr>
-          <p:cNvPr id="2" name="Rounded Rectangle 1"/>
-          <p:cNvSpPr/>
-          <p:nvPr/>
-        </p:nvSpPr>
-        <p:spPr>
-          <a:xfrm>
-            <a:off x="5996030" y="1823637"/>
-            <a:ext cx="2849031" cy="2825452"/>
-          </a:xfrm>
-          <a:prstGeom prst="roundRect">
-            <a:avLst/>
-          </a:prstGeom>
-          <a:noFill/>
-        </p:spPr>
-        <p:style>
-          <a:lnRef idx="2">
-            <a:schemeClr val="accent1">
-              <a:shade val="50000"/>
-            </a:schemeClr>
-          </a:lnRef>
-          <a:fillRef idx="1">
-            <a:schemeClr val="accent1"/>
-          </a:fillRef>
-          <a:effectRef idx="0">
-            <a:schemeClr val="accent1"/>
-          </a:effectRef>
-          <a:fontRef idx="minor">
-            <a:schemeClr val="lt1"/>
-          </a:fontRef>
-        </p:style>
-        <p:txBody>
-          <a:bodyPr rtlCol="0" anchor="ctr"/>
-          <a:lstStyle/>
-          <a:p>
-            <a:pPr algn="ctr"/>
-            <a:endParaRPr lang="en-US"/>
-          </a:p>
-        </p:txBody>
-      </p:sp>
-      <p:sp>
-        <p:nvSpPr>
-          <p:cNvPr id="3" name="Rectangle 2"/>
-          <p:cNvSpPr/>
-          <p:nvPr/>
-        </p:nvSpPr>
-        <p:spPr>
-          <a:xfrm>
-            <a:off x="6197490" y="2065564"/>
-            <a:ext cx="711375" cy="688161"/>
-          </a:xfrm>
-          <a:prstGeom prst="rect">
-            <a:avLst/>
-          </a:prstGeom>
-        </p:spPr>
-        <p:style>
-          <a:lnRef idx="2">
-            <a:schemeClr val="accent1">
-              <a:shade val="50000"/>
-            </a:schemeClr>
-          </a:lnRef>
-          <a:fillRef idx="1">
-            <a:schemeClr val="accent1"/>
-          </a:fillRef>
-          <a:effectRef idx="0">
-            <a:schemeClr val="accent1"/>
-          </a:effectRef>
-          <a:fontRef idx="minor">
-            <a:schemeClr val="lt1"/>
-          </a:fontRef>
-        </p:style>
-        <p:txBody>
-          <a:bodyPr rtlCol="0" anchor="ctr"/>
-          <a:lstStyle/>
-          <a:p>
-            <a:pPr algn="ctr"/>
-            <a:r>
-              <a:rPr lang="en-US" dirty="0"/>
-              <a:t>H</a:t>
-            </a:r>
-            <a:r>
-              <a:rPr lang="en-US" sz="1200" dirty="0"/>
-              <a:t>0,0</a:t>
-            </a:r>
-          </a:p>
-        </p:txBody>
-      </p:sp>
-      <p:sp>
-        <p:nvSpPr>
-          <p:cNvPr id="4" name="Rectangle 3"/>
-          <p:cNvSpPr/>
-          <p:nvPr/>
-        </p:nvSpPr>
-        <p:spPr>
-          <a:xfrm>
-            <a:off x="7948774" y="2065564"/>
-            <a:ext cx="711375" cy="688161"/>
-          </a:xfrm>
-          <a:prstGeom prst="rect">
-            <a:avLst/>
-          </a:prstGeom>
-        </p:spPr>
-        <p:style>
-          <a:lnRef idx="2">
-            <a:schemeClr val="accent1">
-              <a:shade val="50000"/>
-            </a:schemeClr>
-          </a:lnRef>
-          <a:fillRef idx="1">
-            <a:schemeClr val="accent1"/>
-          </a:fillRef>
-          <a:effectRef idx="0">
-            <a:schemeClr val="accent1"/>
-          </a:effectRef>
-          <a:fontRef idx="minor">
-            <a:schemeClr val="lt1"/>
-          </a:fontRef>
-        </p:style>
-        <p:txBody>
-          <a:bodyPr rtlCol="0" anchor="ctr"/>
-          <a:lstStyle/>
-          <a:p>
-            <a:pPr algn="ctr"/>
-            <a:r>
-              <a:rPr lang="en-US" dirty="0"/>
-              <a:t>H</a:t>
-            </a:r>
-            <a:r>
-              <a:rPr lang="en-US" sz="1200" dirty="0"/>
-              <a:t>2,0</a:t>
-            </a:r>
-          </a:p>
-        </p:txBody>
-      </p:sp>
-      <p:sp>
-        <p:nvSpPr>
-          <p:cNvPr id="5" name="Rectangle 4"/>
-          <p:cNvSpPr/>
-          <p:nvPr/>
-        </p:nvSpPr>
-        <p:spPr>
-          <a:xfrm>
-            <a:off x="6209234" y="2900507"/>
-            <a:ext cx="711375" cy="688161"/>
-          </a:xfrm>
-          <a:prstGeom prst="rect">
-            <a:avLst/>
-          </a:prstGeom>
-        </p:spPr>
-        <p:style>
-          <a:lnRef idx="2">
-            <a:schemeClr val="accent1">
-              <a:shade val="50000"/>
-            </a:schemeClr>
-          </a:lnRef>
-          <a:fillRef idx="1">
-            <a:schemeClr val="accent1"/>
-          </a:fillRef>
-          <a:effectRef idx="0">
-            <a:schemeClr val="accent1"/>
-          </a:effectRef>
-          <a:fontRef idx="minor">
-            <a:schemeClr val="lt1"/>
-          </a:fontRef>
-        </p:style>
-        <p:txBody>
-          <a:bodyPr rtlCol="0" anchor="ctr"/>
-          <a:lstStyle/>
-          <a:p>
-            <a:pPr algn="ctr"/>
-            <a:r>
-              <a:rPr lang="en-US" dirty="0"/>
-              <a:t>H</a:t>
-            </a:r>
-            <a:r>
-              <a:rPr lang="en-US" sz="1200" dirty="0"/>
-              <a:t>0,1</a:t>
-            </a:r>
-          </a:p>
-        </p:txBody>
-      </p:sp>
-      <p:sp>
-        <p:nvSpPr>
-          <p:cNvPr id="6" name="Rectangle 5"/>
-          <p:cNvSpPr/>
-          <p:nvPr/>
-        </p:nvSpPr>
-        <p:spPr>
-          <a:xfrm>
-            <a:off x="7073131" y="2892282"/>
-            <a:ext cx="711375" cy="688161"/>
-          </a:xfrm>
-          <a:prstGeom prst="rect">
-            <a:avLst/>
-          </a:prstGeom>
-        </p:spPr>
-        <p:style>
-          <a:lnRef idx="2">
-            <a:schemeClr val="accent1">
-              <a:shade val="50000"/>
-            </a:schemeClr>
-          </a:lnRef>
-          <a:fillRef idx="1">
-            <a:schemeClr val="accent1"/>
-          </a:fillRef>
-          <a:effectRef idx="0">
-            <a:schemeClr val="accent1"/>
-          </a:effectRef>
-          <a:fontRef idx="minor">
-            <a:schemeClr val="lt1"/>
-          </a:fontRef>
-        </p:style>
-        <p:txBody>
-          <a:bodyPr rtlCol="0" anchor="ctr"/>
-          <a:lstStyle/>
-          <a:p>
-            <a:pPr algn="ctr"/>
-            <a:r>
-              <a:rPr lang="en-US" dirty="0"/>
-              <a:t>H</a:t>
-            </a:r>
-            <a:r>
-              <a:rPr lang="en-US" sz="1200" dirty="0"/>
-              <a:t>1,1</a:t>
-            </a:r>
-          </a:p>
-        </p:txBody>
-      </p:sp>
-      <p:sp>
-        <p:nvSpPr>
-          <p:cNvPr id="7" name="Rectangle 6"/>
-          <p:cNvSpPr/>
-          <p:nvPr/>
-        </p:nvSpPr>
-        <p:spPr>
-          <a:xfrm>
-            <a:off x="7948775" y="2900507"/>
-            <a:ext cx="711375" cy="688161"/>
-          </a:xfrm>
-          <a:prstGeom prst="rect">
-            <a:avLst/>
-          </a:prstGeom>
-        </p:spPr>
-        <p:style>
-          <a:lnRef idx="2">
-            <a:schemeClr val="accent1">
-              <a:shade val="50000"/>
-            </a:schemeClr>
-          </a:lnRef>
-          <a:fillRef idx="1">
-            <a:schemeClr val="accent1"/>
-          </a:fillRef>
-          <a:effectRef idx="0">
-            <a:schemeClr val="accent1"/>
-          </a:effectRef>
-          <a:fontRef idx="minor">
-            <a:schemeClr val="lt1"/>
-          </a:fontRef>
-        </p:style>
-        <p:txBody>
-          <a:bodyPr rtlCol="0" anchor="ctr"/>
-          <a:lstStyle/>
-          <a:p>
-            <a:pPr algn="ctr"/>
-            <a:r>
-              <a:rPr lang="en-US" dirty="0"/>
-              <a:t>H</a:t>
-            </a:r>
-            <a:r>
-              <a:rPr lang="en-US" sz="1200" dirty="0"/>
-              <a:t>2,1</a:t>
-            </a:r>
-          </a:p>
-        </p:txBody>
-      </p:sp>
-      <p:sp>
-        <p:nvSpPr>
-          <p:cNvPr id="8" name="Rectangle 7"/>
-          <p:cNvSpPr/>
-          <p:nvPr/>
-        </p:nvSpPr>
-        <p:spPr>
-          <a:xfrm>
-            <a:off x="6209234" y="3729984"/>
-            <a:ext cx="711375" cy="688161"/>
-          </a:xfrm>
-          <a:prstGeom prst="rect">
-            <a:avLst/>
-          </a:prstGeom>
-        </p:spPr>
-        <p:style>
-          <a:lnRef idx="2">
-            <a:schemeClr val="accent1">
-              <a:shade val="50000"/>
-            </a:schemeClr>
-          </a:lnRef>
-          <a:fillRef idx="1">
-            <a:schemeClr val="accent1"/>
-          </a:fillRef>
-          <a:effectRef idx="0">
-            <a:schemeClr val="accent1"/>
-          </a:effectRef>
-          <a:fontRef idx="minor">
-            <a:schemeClr val="lt1"/>
-          </a:fontRef>
-        </p:style>
-        <p:txBody>
-          <a:bodyPr rtlCol="0" anchor="ctr"/>
-          <a:lstStyle/>
-          <a:p>
-            <a:pPr algn="ctr"/>
-            <a:r>
-              <a:rPr lang="en-US" dirty="0"/>
-              <a:t>H</a:t>
-            </a:r>
-            <a:r>
-              <a:rPr lang="en-US" sz="1200" dirty="0"/>
-              <a:t>0,2</a:t>
-            </a:r>
-          </a:p>
-        </p:txBody>
-      </p:sp>
-      <p:sp>
-        <p:nvSpPr>
-          <p:cNvPr id="9" name="Rectangle 8"/>
-          <p:cNvSpPr/>
-          <p:nvPr/>
-        </p:nvSpPr>
-        <p:spPr>
-          <a:xfrm>
-            <a:off x="7079005" y="3729984"/>
-            <a:ext cx="711375" cy="688161"/>
-          </a:xfrm>
-          <a:prstGeom prst="rect">
-            <a:avLst/>
-          </a:prstGeom>
-        </p:spPr>
-        <p:style>
-          <a:lnRef idx="2">
-            <a:schemeClr val="accent1">
-              <a:shade val="50000"/>
-            </a:schemeClr>
-          </a:lnRef>
-          <a:fillRef idx="1">
-            <a:schemeClr val="accent1"/>
-          </a:fillRef>
-          <a:effectRef idx="0">
-            <a:schemeClr val="accent1"/>
-          </a:effectRef>
-          <a:fontRef idx="minor">
-            <a:schemeClr val="lt1"/>
-          </a:fontRef>
-        </p:style>
-        <p:txBody>
-          <a:bodyPr rtlCol="0" anchor="ctr"/>
-          <a:lstStyle/>
-          <a:p>
-            <a:pPr algn="ctr"/>
-            <a:r>
-              <a:rPr lang="en-US" dirty="0"/>
-              <a:t>H</a:t>
-            </a:r>
-            <a:r>
-              <a:rPr lang="en-US" sz="1200" dirty="0"/>
-              <a:t>1,2</a:t>
-            </a:r>
-          </a:p>
-        </p:txBody>
-      </p:sp>
-      <p:sp>
-        <p:nvSpPr>
-          <p:cNvPr id="10" name="Rectangle 9"/>
-          <p:cNvSpPr/>
-          <p:nvPr/>
-        </p:nvSpPr>
-        <p:spPr>
-          <a:xfrm>
-            <a:off x="7948776" y="3729984"/>
-            <a:ext cx="711375" cy="688161"/>
-          </a:xfrm>
-          <a:prstGeom prst="rect">
-            <a:avLst/>
-          </a:prstGeom>
-        </p:spPr>
-        <p:style>
-          <a:lnRef idx="2">
-            <a:schemeClr val="accent1">
-              <a:shade val="50000"/>
-            </a:schemeClr>
-          </a:lnRef>
-          <a:fillRef idx="1">
-            <a:schemeClr val="accent1"/>
-          </a:fillRef>
-          <a:effectRef idx="0">
-            <a:schemeClr val="accent1"/>
-          </a:effectRef>
-          <a:fontRef idx="minor">
-            <a:schemeClr val="lt1"/>
-          </a:fontRef>
-        </p:style>
-        <p:txBody>
-          <a:bodyPr rtlCol="0" anchor="ctr"/>
-          <a:lstStyle/>
-          <a:p>
-            <a:pPr algn="ctr"/>
-            <a:r>
-              <a:rPr lang="en-US" dirty="0"/>
-              <a:t>H</a:t>
-            </a:r>
-            <a:r>
-              <a:rPr lang="en-US" sz="1200" dirty="0"/>
-              <a:t>2,2</a:t>
-            </a:r>
-          </a:p>
-        </p:txBody>
-      </p:sp>
-      <p:sp>
-        <p:nvSpPr>
-          <p:cNvPr id="11" name="Rectangle 10"/>
-          <p:cNvSpPr/>
-          <p:nvPr/>
-        </p:nvSpPr>
-        <p:spPr>
-          <a:xfrm>
-            <a:off x="7073132" y="2066597"/>
-            <a:ext cx="711375" cy="688161"/>
-          </a:xfrm>
-          <a:prstGeom prst="rect">
-            <a:avLst/>
-          </a:prstGeom>
-        </p:spPr>
-        <p:style>
-          <a:lnRef idx="2">
-            <a:schemeClr val="accent1">
-              <a:shade val="50000"/>
-            </a:schemeClr>
-          </a:lnRef>
-          <a:fillRef idx="1">
-            <a:schemeClr val="accent1"/>
-          </a:fillRef>
-          <a:effectRef idx="0">
-            <a:schemeClr val="accent1"/>
-          </a:effectRef>
-          <a:fontRef idx="minor">
-            <a:schemeClr val="lt1"/>
-          </a:fontRef>
-        </p:style>
-        <p:txBody>
-          <a:bodyPr rtlCol="0" anchor="ctr"/>
-          <a:lstStyle/>
-          <a:p>
-            <a:pPr algn="ctr"/>
-            <a:r>
-              <a:rPr lang="en-US" dirty="0"/>
-              <a:t>H</a:t>
-            </a:r>
-            <a:r>
-              <a:rPr lang="en-US" sz="1200" dirty="0"/>
-              <a:t>1,0</a:t>
-            </a:r>
-          </a:p>
-        </p:txBody>
-      </p:sp>
       <p:sp>
         <p:nvSpPr>
           <p:cNvPr id="14" name="Rectangle 13"/>
@@ -11410,82 +11043,6 @@
           </a:fontRef>
         </p:style>
       </p:cxnSp>
-      <p:cxnSp>
-        <p:nvCxnSpPr>
-          <p:cNvPr id="20" name="Straight Arrow Connector 19"/>
-          <p:cNvCxnSpPr>
-            <a:endCxn id="2" idx="1"/>
-          </p:cNvCxnSpPr>
-          <p:nvPr/>
-        </p:nvCxnSpPr>
-        <p:spPr>
-          <a:xfrm flipV="1">
-            <a:off x="4835769" y="3236363"/>
-            <a:ext cx="1160261" cy="60752"/>
-          </a:xfrm>
-          <a:prstGeom prst="straightConnector1">
-            <a:avLst/>
-          </a:prstGeom>
-          <a:ln w="38100">
-            <a:solidFill>
-              <a:srgbClr val="00B050"/>
-            </a:solidFill>
-            <a:tailEnd type="triangle"/>
-          </a:ln>
-        </p:spPr>
-        <p:style>
-          <a:lnRef idx="1">
-            <a:schemeClr val="accent1"/>
-          </a:lnRef>
-          <a:fillRef idx="0">
-            <a:schemeClr val="accent1"/>
-          </a:fillRef>
-          <a:effectRef idx="0">
-            <a:schemeClr val="accent1"/>
-          </a:effectRef>
-          <a:fontRef idx="minor">
-            <a:schemeClr val="tx1"/>
-          </a:fontRef>
-        </p:style>
-      </p:cxnSp>
-      <p:cxnSp>
-        <p:nvCxnSpPr>
-          <p:cNvPr id="21" name="Straight Arrow Connector 20"/>
-          <p:cNvCxnSpPr>
-            <a:endCxn id="2" idx="3"/>
-          </p:cNvCxnSpPr>
-          <p:nvPr/>
-        </p:nvCxnSpPr>
-        <p:spPr>
-          <a:xfrm>
-            <a:off x="6012576" y="3236362"/>
-            <a:ext cx="2832485" cy="1"/>
-          </a:xfrm>
-          <a:prstGeom prst="straightConnector1">
-            <a:avLst/>
-          </a:prstGeom>
-          <a:ln w="38100">
-            <a:solidFill>
-              <a:srgbClr val="FF0000"/>
-            </a:solidFill>
-            <a:tailEnd type="triangle"/>
-          </a:ln>
-        </p:spPr>
-        <p:style>
-          <a:lnRef idx="1">
-            <a:schemeClr val="accent1"/>
-          </a:lnRef>
-          <a:fillRef idx="0">
-            <a:schemeClr val="accent1"/>
-          </a:fillRef>
-          <a:effectRef idx="0">
-            <a:schemeClr val="accent1"/>
-          </a:effectRef>
-          <a:fontRef idx="minor">
-            <a:schemeClr val="tx1"/>
-          </a:fontRef>
-        </p:style>
-      </p:cxnSp>
       <p:sp>
         <p:nvSpPr>
           <p:cNvPr id="23" name="TextBox 22"/>
@@ -11494,7 +11051,7 @@
         </p:nvSpPr>
         <p:spPr>
           <a:xfrm>
-            <a:off x="1584199" y="562813"/>
+            <a:off x="2004796" y="1116811"/>
             <a:ext cx="2556918" cy="923330"/>
           </a:xfrm>
           <a:prstGeom prst="rect">
@@ -11538,8 +11095,8 @@
         </p:nvSpPr>
         <p:spPr>
           <a:xfrm>
-            <a:off x="3102898" y="1831239"/>
-            <a:ext cx="2791918" cy="923330"/>
+            <a:off x="2631646" y="1925442"/>
+            <a:ext cx="3140861" cy="923330"/>
           </a:xfrm>
           <a:prstGeom prst="rect">
             <a:avLst/>
@@ -11562,7 +11119,7 @@
             <a:pPr algn="ctr"/>
             <a:r>
               <a:rPr lang="en-US" dirty="0"/>
-              <a:t>Run each employee ID thru </a:t>
+              <a:t>Run each employee ID through </a:t>
             </a:r>
           </a:p>
           <a:p>
@@ -11939,6 +11496,592 @@
           </a:p>
         </p:txBody>
       </p:sp>
+      <p:sp>
+        <p:nvSpPr>
+          <p:cNvPr id="31" name="Title 1"/>
+          <p:cNvSpPr txBox="1">
+            <a:spLocks/>
+          </p:cNvSpPr>
+          <p:nvPr/>
+        </p:nvSpPr>
+        <p:spPr>
+          <a:xfrm>
+            <a:off x="838200" y="347540"/>
+            <a:ext cx="10515600" cy="1325563"/>
+          </a:xfrm>
+          <a:prstGeom prst="rect">
+            <a:avLst/>
+          </a:prstGeom>
+        </p:spPr>
+        <p:txBody>
+          <a:bodyPr/>
+          <a:lstStyle>
+            <a:lvl1pPr algn="l" defTabSz="914400" rtl="0" eaLnBrk="1" latinLnBrk="0" hangingPunct="1">
+              <a:lnSpc>
+                <a:spcPct val="90000"/>
+              </a:lnSpc>
+              <a:spcBef>
+                <a:spcPct val="0"/>
+              </a:spcBef>
+              <a:buNone/>
+              <a:defRPr sz="4400" kern="1200">
+                <a:solidFill>
+                  <a:schemeClr val="tx1"/>
+                </a:solidFill>
+                <a:latin typeface="+mj-lt"/>
+                <a:ea typeface="+mj-ea"/>
+                <a:cs typeface="+mj-cs"/>
+              </a:defRPr>
+            </a:lvl1pPr>
+          </a:lstStyle>
+          <a:p>
+            <a:r>
+              <a:rPr lang="en-US" dirty="0"/>
+              <a:t>Join Implementation </a:t>
+            </a:r>
+          </a:p>
+        </p:txBody>
+      </p:sp>
+      <p:sp>
+        <p:nvSpPr>
+          <p:cNvPr id="33" name="Rounded Rectangle 14"/>
+          <p:cNvSpPr/>
+          <p:nvPr/>
+        </p:nvSpPr>
+        <p:spPr>
+          <a:xfrm>
+            <a:off x="5804345" y="1714549"/>
+            <a:ext cx="2849031" cy="2825452"/>
+          </a:xfrm>
+          <a:prstGeom prst="roundRect">
+            <a:avLst/>
+          </a:prstGeom>
+          <a:noFill/>
+        </p:spPr>
+        <p:style>
+          <a:lnRef idx="2">
+            <a:schemeClr val="accent1">
+              <a:shade val="50000"/>
+            </a:schemeClr>
+          </a:lnRef>
+          <a:fillRef idx="1">
+            <a:schemeClr val="accent1"/>
+          </a:fillRef>
+          <a:effectRef idx="0">
+            <a:schemeClr val="accent1"/>
+          </a:effectRef>
+          <a:fontRef idx="minor">
+            <a:schemeClr val="lt1"/>
+          </a:fontRef>
+        </p:style>
+        <p:txBody>
+          <a:bodyPr rtlCol="0" anchor="ctr"/>
+          <a:lstStyle/>
+          <a:p>
+            <a:pPr algn="ctr"/>
+            <a:endParaRPr lang="en-US"/>
+          </a:p>
+        </p:txBody>
+      </p:sp>
+      <p:sp>
+        <p:nvSpPr>
+          <p:cNvPr id="37" name="Rectangle 36"/>
+          <p:cNvSpPr/>
+          <p:nvPr/>
+        </p:nvSpPr>
+        <p:spPr>
+          <a:xfrm>
+            <a:off x="6005805" y="1956476"/>
+            <a:ext cx="711375" cy="688161"/>
+          </a:xfrm>
+          <a:prstGeom prst="rect">
+            <a:avLst/>
+          </a:prstGeom>
+        </p:spPr>
+        <p:style>
+          <a:lnRef idx="2">
+            <a:schemeClr val="accent1">
+              <a:shade val="50000"/>
+            </a:schemeClr>
+          </a:lnRef>
+          <a:fillRef idx="1">
+            <a:schemeClr val="accent1"/>
+          </a:fillRef>
+          <a:effectRef idx="0">
+            <a:schemeClr val="accent1"/>
+          </a:effectRef>
+          <a:fontRef idx="minor">
+            <a:schemeClr val="lt1"/>
+          </a:fontRef>
+        </p:style>
+        <p:txBody>
+          <a:bodyPr rtlCol="0" anchor="ctr"/>
+          <a:lstStyle/>
+          <a:p>
+            <a:pPr algn="ctr"/>
+            <a:r>
+              <a:rPr lang="en-US" dirty="0"/>
+              <a:t>H</a:t>
+            </a:r>
+            <a:r>
+              <a:rPr lang="en-US" sz="1200" dirty="0"/>
+              <a:t>0,0</a:t>
+            </a:r>
+          </a:p>
+        </p:txBody>
+      </p:sp>
+      <p:sp>
+        <p:nvSpPr>
+          <p:cNvPr id="38" name="Rectangle 37"/>
+          <p:cNvSpPr/>
+          <p:nvPr/>
+        </p:nvSpPr>
+        <p:spPr>
+          <a:xfrm>
+            <a:off x="7757089" y="1956476"/>
+            <a:ext cx="711375" cy="688161"/>
+          </a:xfrm>
+          <a:prstGeom prst="rect">
+            <a:avLst/>
+          </a:prstGeom>
+        </p:spPr>
+        <p:style>
+          <a:lnRef idx="2">
+            <a:schemeClr val="accent1">
+              <a:shade val="50000"/>
+            </a:schemeClr>
+          </a:lnRef>
+          <a:fillRef idx="1">
+            <a:schemeClr val="accent1"/>
+          </a:fillRef>
+          <a:effectRef idx="0">
+            <a:schemeClr val="accent1"/>
+          </a:effectRef>
+          <a:fontRef idx="minor">
+            <a:schemeClr val="lt1"/>
+          </a:fontRef>
+        </p:style>
+        <p:txBody>
+          <a:bodyPr rtlCol="0" anchor="ctr"/>
+          <a:lstStyle/>
+          <a:p>
+            <a:pPr algn="ctr"/>
+            <a:r>
+              <a:rPr lang="en-US" dirty="0"/>
+              <a:t>H</a:t>
+            </a:r>
+            <a:r>
+              <a:rPr lang="en-US" sz="1200" dirty="0"/>
+              <a:t>0,n</a:t>
+            </a:r>
+          </a:p>
+        </p:txBody>
+      </p:sp>
+      <p:sp>
+        <p:nvSpPr>
+          <p:cNvPr id="39" name="Rectangle 38"/>
+          <p:cNvSpPr/>
+          <p:nvPr/>
+        </p:nvSpPr>
+        <p:spPr>
+          <a:xfrm>
+            <a:off x="6017549" y="2791419"/>
+            <a:ext cx="711375" cy="688161"/>
+          </a:xfrm>
+          <a:prstGeom prst="rect">
+            <a:avLst/>
+          </a:prstGeom>
+        </p:spPr>
+        <p:style>
+          <a:lnRef idx="2">
+            <a:schemeClr val="accent1">
+              <a:shade val="50000"/>
+            </a:schemeClr>
+          </a:lnRef>
+          <a:fillRef idx="1">
+            <a:schemeClr val="accent1"/>
+          </a:fillRef>
+          <a:effectRef idx="0">
+            <a:schemeClr val="accent1"/>
+          </a:effectRef>
+          <a:fontRef idx="minor">
+            <a:schemeClr val="lt1"/>
+          </a:fontRef>
+        </p:style>
+        <p:txBody>
+          <a:bodyPr rtlCol="0" anchor="ctr"/>
+          <a:lstStyle/>
+          <a:p>
+            <a:pPr algn="ctr"/>
+            <a:r>
+              <a:rPr lang="en-US" dirty="0"/>
+              <a:t>H</a:t>
+            </a:r>
+            <a:r>
+              <a:rPr lang="en-US" sz="1200" dirty="0"/>
+              <a:t>0,1</a:t>
+            </a:r>
+          </a:p>
+        </p:txBody>
+      </p:sp>
+      <p:sp>
+        <p:nvSpPr>
+          <p:cNvPr id="40" name="Rectangle 39"/>
+          <p:cNvSpPr/>
+          <p:nvPr/>
+        </p:nvSpPr>
+        <p:spPr>
+          <a:xfrm>
+            <a:off x="6881446" y="2783194"/>
+            <a:ext cx="711375" cy="688161"/>
+          </a:xfrm>
+          <a:prstGeom prst="rect">
+            <a:avLst/>
+          </a:prstGeom>
+        </p:spPr>
+        <p:style>
+          <a:lnRef idx="2">
+            <a:schemeClr val="accent1">
+              <a:shade val="50000"/>
+            </a:schemeClr>
+          </a:lnRef>
+          <a:fillRef idx="1">
+            <a:schemeClr val="accent1"/>
+          </a:fillRef>
+          <a:effectRef idx="0">
+            <a:schemeClr val="accent1"/>
+          </a:effectRef>
+          <a:fontRef idx="minor">
+            <a:schemeClr val="lt1"/>
+          </a:fontRef>
+        </p:style>
+        <p:txBody>
+          <a:bodyPr rtlCol="0" anchor="ctr"/>
+          <a:lstStyle/>
+          <a:p>
+            <a:pPr algn="ctr"/>
+            <a:r>
+              <a:rPr lang="en-US" dirty="0"/>
+              <a:t>H</a:t>
+            </a:r>
+            <a:r>
+              <a:rPr lang="en-US" sz="1200" dirty="0"/>
+              <a:t>1,1</a:t>
+            </a:r>
+          </a:p>
+        </p:txBody>
+      </p:sp>
+      <p:sp>
+        <p:nvSpPr>
+          <p:cNvPr id="41" name="Rectangle 40"/>
+          <p:cNvSpPr/>
+          <p:nvPr/>
+        </p:nvSpPr>
+        <p:spPr>
+          <a:xfrm>
+            <a:off x="7757090" y="2791419"/>
+            <a:ext cx="711375" cy="688161"/>
+          </a:xfrm>
+          <a:prstGeom prst="rect">
+            <a:avLst/>
+          </a:prstGeom>
+        </p:spPr>
+        <p:style>
+          <a:lnRef idx="2">
+            <a:schemeClr val="accent1">
+              <a:shade val="50000"/>
+            </a:schemeClr>
+          </a:lnRef>
+          <a:fillRef idx="1">
+            <a:schemeClr val="accent1"/>
+          </a:fillRef>
+          <a:effectRef idx="0">
+            <a:schemeClr val="accent1"/>
+          </a:effectRef>
+          <a:fontRef idx="minor">
+            <a:schemeClr val="lt1"/>
+          </a:fontRef>
+        </p:style>
+        <p:txBody>
+          <a:bodyPr rtlCol="0" anchor="ctr"/>
+          <a:lstStyle/>
+          <a:p>
+            <a:pPr algn="ctr"/>
+            <a:r>
+              <a:rPr lang="en-US" dirty="0"/>
+              <a:t>H</a:t>
+            </a:r>
+            <a:r>
+              <a:rPr lang="en-US" sz="1200" dirty="0"/>
+              <a:t>1,1</a:t>
+            </a:r>
+          </a:p>
+        </p:txBody>
+      </p:sp>
+      <p:sp>
+        <p:nvSpPr>
+          <p:cNvPr id="42" name="Rectangle 41"/>
+          <p:cNvSpPr/>
+          <p:nvPr/>
+        </p:nvSpPr>
+        <p:spPr>
+          <a:xfrm>
+            <a:off x="6017549" y="3620896"/>
+            <a:ext cx="711375" cy="688161"/>
+          </a:xfrm>
+          <a:prstGeom prst="rect">
+            <a:avLst/>
+          </a:prstGeom>
+        </p:spPr>
+        <p:style>
+          <a:lnRef idx="2">
+            <a:schemeClr val="accent1">
+              <a:shade val="50000"/>
+            </a:schemeClr>
+          </a:lnRef>
+          <a:fillRef idx="1">
+            <a:schemeClr val="accent1"/>
+          </a:fillRef>
+          <a:effectRef idx="0">
+            <a:schemeClr val="accent1"/>
+          </a:effectRef>
+          <a:fontRef idx="minor">
+            <a:schemeClr val="lt1"/>
+          </a:fontRef>
+        </p:style>
+        <p:txBody>
+          <a:bodyPr rtlCol="0" anchor="ctr"/>
+          <a:lstStyle/>
+          <a:p>
+            <a:pPr algn="ctr"/>
+            <a:r>
+              <a:rPr lang="en-US" dirty="0" err="1"/>
+              <a:t>H</a:t>
+            </a:r>
+            <a:r>
+              <a:rPr lang="en-US" sz="1200" dirty="0" err="1"/>
+              <a:t>t,n</a:t>
+            </a:r>
+            <a:endParaRPr lang="en-US" sz="1200" dirty="0"/>
+          </a:p>
+        </p:txBody>
+      </p:sp>
+      <p:sp>
+        <p:nvSpPr>
+          <p:cNvPr id="43" name="Rectangle 42"/>
+          <p:cNvSpPr/>
+          <p:nvPr/>
+        </p:nvSpPr>
+        <p:spPr>
+          <a:xfrm>
+            <a:off x="6887320" y="3620896"/>
+            <a:ext cx="711375" cy="688161"/>
+          </a:xfrm>
+          <a:prstGeom prst="rect">
+            <a:avLst/>
+          </a:prstGeom>
+        </p:spPr>
+        <p:style>
+          <a:lnRef idx="2">
+            <a:schemeClr val="accent1">
+              <a:shade val="50000"/>
+            </a:schemeClr>
+          </a:lnRef>
+          <a:fillRef idx="1">
+            <a:schemeClr val="accent1"/>
+          </a:fillRef>
+          <a:effectRef idx="0">
+            <a:schemeClr val="accent1"/>
+          </a:effectRef>
+          <a:fontRef idx="minor">
+            <a:schemeClr val="lt1"/>
+          </a:fontRef>
+        </p:style>
+        <p:txBody>
+          <a:bodyPr rtlCol="0" anchor="ctr"/>
+          <a:lstStyle/>
+          <a:p>
+            <a:pPr algn="ctr"/>
+            <a:r>
+              <a:rPr lang="en-US" dirty="0"/>
+              <a:t>H</a:t>
+            </a:r>
+            <a:r>
+              <a:rPr lang="en-US" sz="1200" dirty="0"/>
+              <a:t>1,n</a:t>
+            </a:r>
+          </a:p>
+        </p:txBody>
+      </p:sp>
+      <p:sp>
+        <p:nvSpPr>
+          <p:cNvPr id="44" name="Rectangle 43"/>
+          <p:cNvSpPr/>
+          <p:nvPr/>
+        </p:nvSpPr>
+        <p:spPr>
+          <a:xfrm>
+            <a:off x="7757091" y="3620896"/>
+            <a:ext cx="711375" cy="688161"/>
+          </a:xfrm>
+          <a:prstGeom prst="rect">
+            <a:avLst/>
+          </a:prstGeom>
+        </p:spPr>
+        <p:style>
+          <a:lnRef idx="2">
+            <a:schemeClr val="accent1">
+              <a:shade val="50000"/>
+            </a:schemeClr>
+          </a:lnRef>
+          <a:fillRef idx="1">
+            <a:schemeClr val="accent1"/>
+          </a:fillRef>
+          <a:effectRef idx="0">
+            <a:schemeClr val="accent1"/>
+          </a:effectRef>
+          <a:fontRef idx="minor">
+            <a:schemeClr val="lt1"/>
+          </a:fontRef>
+        </p:style>
+        <p:txBody>
+          <a:bodyPr rtlCol="0" anchor="ctr"/>
+          <a:lstStyle/>
+          <a:p>
+            <a:pPr algn="ctr"/>
+            <a:r>
+              <a:rPr lang="en-US" dirty="0" err="1"/>
+              <a:t>H</a:t>
+            </a:r>
+            <a:r>
+              <a:rPr lang="en-US" sz="1200" dirty="0" err="1"/>
+              <a:t>t,n</a:t>
+            </a:r>
+            <a:endParaRPr lang="en-US" sz="1200" dirty="0"/>
+          </a:p>
+        </p:txBody>
+      </p:sp>
+      <p:sp>
+        <p:nvSpPr>
+          <p:cNvPr id="45" name="Rectangle 44"/>
+          <p:cNvSpPr/>
+          <p:nvPr/>
+        </p:nvSpPr>
+        <p:spPr>
+          <a:xfrm>
+            <a:off x="6881447" y="1957509"/>
+            <a:ext cx="711375" cy="688161"/>
+          </a:xfrm>
+          <a:prstGeom prst="rect">
+            <a:avLst/>
+          </a:prstGeom>
+        </p:spPr>
+        <p:style>
+          <a:lnRef idx="2">
+            <a:schemeClr val="accent1">
+              <a:shade val="50000"/>
+            </a:schemeClr>
+          </a:lnRef>
+          <a:fillRef idx="1">
+            <a:schemeClr val="accent1"/>
+          </a:fillRef>
+          <a:effectRef idx="0">
+            <a:schemeClr val="accent1"/>
+          </a:effectRef>
+          <a:fontRef idx="minor">
+            <a:schemeClr val="lt1"/>
+          </a:fontRef>
+        </p:style>
+        <p:txBody>
+          <a:bodyPr rtlCol="0" anchor="ctr"/>
+          <a:lstStyle/>
+          <a:p>
+            <a:pPr algn="ctr"/>
+            <a:r>
+              <a:rPr lang="en-US" dirty="0"/>
+              <a:t>H</a:t>
+            </a:r>
+            <a:r>
+              <a:rPr lang="en-US" sz="1200" dirty="0"/>
+              <a:t>0,1</a:t>
+            </a:r>
+          </a:p>
+        </p:txBody>
+      </p:sp>
+      <p:cxnSp>
+        <p:nvCxnSpPr>
+          <p:cNvPr id="20" name="Straight Arrow Connector 19"/>
+          <p:cNvCxnSpPr>
+            <a:cxnSpLocks/>
+          </p:cNvCxnSpPr>
+          <p:nvPr/>
+        </p:nvCxnSpPr>
+        <p:spPr>
+          <a:xfrm flipV="1">
+            <a:off x="4765431" y="1673103"/>
+            <a:ext cx="1594430" cy="1654639"/>
+          </a:xfrm>
+          <a:prstGeom prst="straightConnector1">
+            <a:avLst/>
+          </a:prstGeom>
+          <a:ln w="38100">
+            <a:solidFill>
+              <a:srgbClr val="00B050"/>
+            </a:solidFill>
+            <a:tailEnd type="triangle"/>
+          </a:ln>
+        </p:spPr>
+        <p:style>
+          <a:lnRef idx="1">
+            <a:schemeClr val="accent1"/>
+          </a:lnRef>
+          <a:fillRef idx="0">
+            <a:schemeClr val="accent1"/>
+          </a:fillRef>
+          <a:effectRef idx="0">
+            <a:schemeClr val="accent1"/>
+          </a:effectRef>
+          <a:fontRef idx="minor">
+            <a:schemeClr val="tx1"/>
+          </a:fontRef>
+        </p:style>
+      </p:cxnSp>
+      <p:cxnSp>
+        <p:nvCxnSpPr>
+          <p:cNvPr id="21" name="Straight Arrow Connector 20"/>
+          <p:cNvCxnSpPr/>
+          <p:nvPr/>
+        </p:nvCxnSpPr>
+        <p:spPr>
+          <a:xfrm>
+            <a:off x="6352455" y="1714549"/>
+            <a:ext cx="20781" cy="2720292"/>
+          </a:xfrm>
+          <a:prstGeom prst="straightConnector1">
+            <a:avLst/>
+          </a:prstGeom>
+          <a:ln w="38100">
+            <a:solidFill>
+              <a:srgbClr val="FF0000"/>
+            </a:solidFill>
+            <a:tailEnd type="triangle"/>
+          </a:ln>
+        </p:spPr>
+        <p:style>
+          <a:lnRef idx="1">
+            <a:schemeClr val="accent1"/>
+          </a:lnRef>
+          <a:fillRef idx="0">
+            <a:schemeClr val="accent1"/>
+          </a:fillRef>
+          <a:effectRef idx="0">
+            <a:schemeClr val="accent1"/>
+          </a:effectRef>
+          <a:fontRef idx="minor">
+            <a:schemeClr val="tx1"/>
+          </a:fontRef>
+        </p:style>
+      </p:cxnSp>
     </p:spTree>
     <p:extLst>
       <p:ext uri="{BB962C8B-B14F-4D97-AF65-F5344CB8AC3E}">
@@ -12224,35 +12367,26 @@
                                   </p:childTnLst>
                                 </p:cTn>
                               </p:par>
+                            </p:childTnLst>
+                          </p:cTn>
+                        </p:par>
+                      </p:childTnLst>
+                    </p:cTn>
+                  </p:par>
+                  <p:par>
+                    <p:cTn id="25" fill="hold">
+                      <p:stCondLst>
+                        <p:cond delay="indefinite"/>
+                      </p:stCondLst>
+                      <p:childTnLst>
+                        <p:par>
+                          <p:cTn id="26" fill="hold">
+                            <p:stCondLst>
+                              <p:cond delay="0"/>
+                            </p:stCondLst>
+                            <p:childTnLst>
                               <p:par>
-                                <p:cTn id="25" presetID="1" presetClass="entr" presetSubtype="0" fill="hold" grpId="0" nodeType="withEffect">
-                                  <p:stCondLst>
-                                    <p:cond delay="0"/>
-                                  </p:stCondLst>
-                                  <p:childTnLst>
-                                    <p:set>
-                                      <p:cBhvr>
-                                        <p:cTn id="26" dur="1" fill="hold">
-                                          <p:stCondLst>
-                                            <p:cond delay="0"/>
-                                          </p:stCondLst>
-                                        </p:cTn>
-                                        <p:tgtEl>
-                                          <p:spTgt spid="3"/>
-                                        </p:tgtEl>
-                                        <p:attrNameLst>
-                                          <p:attrName>style.visibility</p:attrName>
-                                        </p:attrNameLst>
-                                      </p:cBhvr>
-                                      <p:to>
-                                        <p:strVal val="visible"/>
-                                      </p:to>
-                                    </p:set>
-                                  </p:childTnLst>
-                                </p:cTn>
-                              </p:par>
-                              <p:par>
-                                <p:cTn id="27" presetID="1" presetClass="entr" presetSubtype="0" fill="hold" grpId="0" nodeType="withEffect">
+                                <p:cTn id="27" presetID="1" presetClass="entr" presetSubtype="0" fill="hold" nodeType="clickEffect">
                                   <p:stCondLst>
                                     <p:cond delay="0"/>
                                   </p:stCondLst>
@@ -12265,7 +12399,7 @@
                                           </p:stCondLst>
                                         </p:cTn>
                                         <p:tgtEl>
-                                          <p:spTgt spid="11"/>
+                                          <p:spTgt spid="21"/>
                                         </p:tgtEl>
                                         <p:attrNameLst>
                                           <p:attrName>style.visibility</p:attrName>
@@ -12292,7 +12426,7 @@
                                           </p:stCondLst>
                                         </p:cTn>
                                         <p:tgtEl>
-                                          <p:spTgt spid="4"/>
+                                          <p:spTgt spid="26"/>
                                         </p:tgtEl>
                                         <p:attrNameLst>
                                           <p:attrName>style.visibility</p:attrName>
@@ -12305,35 +12439,26 @@
                                   </p:childTnLst>
                                 </p:cTn>
                               </p:par>
+                            </p:childTnLst>
+                          </p:cTn>
+                        </p:par>
+                      </p:childTnLst>
+                    </p:cTn>
+                  </p:par>
+                  <p:par>
+                    <p:cTn id="31" fill="hold">
+                      <p:stCondLst>
+                        <p:cond delay="indefinite"/>
+                      </p:stCondLst>
+                      <p:childTnLst>
+                        <p:par>
+                          <p:cTn id="32" fill="hold">
+                            <p:stCondLst>
+                              <p:cond delay="0"/>
+                            </p:stCondLst>
+                            <p:childTnLst>
                               <p:par>
-                                <p:cTn id="31" presetID="1" presetClass="entr" presetSubtype="0" fill="hold" grpId="0" nodeType="withEffect">
-                                  <p:stCondLst>
-                                    <p:cond delay="0"/>
-                                  </p:stCondLst>
-                                  <p:childTnLst>
-                                    <p:set>
-                                      <p:cBhvr>
-                                        <p:cTn id="32" dur="1" fill="hold">
-                                          <p:stCondLst>
-                                            <p:cond delay="0"/>
-                                          </p:stCondLst>
-                                        </p:cTn>
-                                        <p:tgtEl>
-                                          <p:spTgt spid="7"/>
-                                        </p:tgtEl>
-                                        <p:attrNameLst>
-                                          <p:attrName>style.visibility</p:attrName>
-                                        </p:attrNameLst>
-                                      </p:cBhvr>
-                                      <p:to>
-                                        <p:strVal val="visible"/>
-                                      </p:to>
-                                    </p:set>
-                                  </p:childTnLst>
-                                </p:cTn>
-                              </p:par>
-                              <p:par>
-                                <p:cTn id="33" presetID="1" presetClass="entr" presetSubtype="0" fill="hold" grpId="0" nodeType="withEffect">
+                                <p:cTn id="33" presetID="1" presetClass="entr" presetSubtype="0" fill="hold" grpId="0" nodeType="clickEffect">
                                   <p:stCondLst>
                                     <p:cond delay="0"/>
                                   </p:stCondLst>
@@ -12346,7 +12471,7 @@
                                           </p:stCondLst>
                                         </p:cTn>
                                         <p:tgtEl>
-                                          <p:spTgt spid="6"/>
+                                          <p:spTgt spid="35"/>
                                         </p:tgtEl>
                                         <p:attrNameLst>
                                           <p:attrName>style.visibility</p:attrName>
@@ -12373,7 +12498,7 @@
                                           </p:stCondLst>
                                         </p:cTn>
                                         <p:tgtEl>
-                                          <p:spTgt spid="5"/>
+                                          <p:spTgt spid="36"/>
                                         </p:tgtEl>
                                         <p:attrNameLst>
                                           <p:attrName>style.visibility</p:attrName>
@@ -12400,7 +12525,7 @@
                                           </p:stCondLst>
                                         </p:cTn>
                                         <p:tgtEl>
-                                          <p:spTgt spid="8"/>
+                                          <p:spTgt spid="30"/>
                                         </p:tgtEl>
                                         <p:attrNameLst>
                                           <p:attrName>style.visibility</p:attrName>
@@ -12427,7 +12552,7 @@
                                           </p:stCondLst>
                                         </p:cTn>
                                         <p:tgtEl>
-                                          <p:spTgt spid="9"/>
+                                          <p:spTgt spid="28"/>
                                         </p:tgtEl>
                                         <p:attrNameLst>
                                           <p:attrName>style.visibility</p:attrName>
@@ -12441,7 +12566,7 @@
                                 </p:cTn>
                               </p:par>
                               <p:par>
-                                <p:cTn id="41" presetID="1" presetClass="entr" presetSubtype="0" fill="hold" grpId="0" nodeType="withEffect">
+                                <p:cTn id="41" presetID="1" presetClass="entr" presetSubtype="0" fill="hold" nodeType="withEffect">
                                   <p:stCondLst>
                                     <p:cond delay="0"/>
                                   </p:stCondLst>
@@ -12454,7 +12579,7 @@
                                           </p:stCondLst>
                                         </p:cTn>
                                         <p:tgtEl>
-                                          <p:spTgt spid="10"/>
+                                          <p:spTgt spid="34"/>
                                         </p:tgtEl>
                                         <p:attrNameLst>
                                           <p:attrName>style.visibility</p:attrName>
@@ -12468,7 +12593,7 @@
                                 </p:cTn>
                               </p:par>
                               <p:par>
-                                <p:cTn id="43" presetID="1" presetClass="entr" presetSubtype="0" fill="hold" grpId="0" nodeType="withEffect">
+                                <p:cTn id="43" presetID="1" presetClass="entr" presetSubtype="0" fill="hold" nodeType="withEffect">
                                   <p:stCondLst>
                                     <p:cond delay="0"/>
                                   </p:stCondLst>
@@ -12481,7 +12606,34 @@
                                           </p:stCondLst>
                                         </p:cTn>
                                         <p:tgtEl>
-                                          <p:spTgt spid="2"/>
+                                          <p:spTgt spid="32"/>
+                                        </p:tgtEl>
+                                        <p:attrNameLst>
+                                          <p:attrName>style.visibility</p:attrName>
+                                        </p:attrNameLst>
+                                      </p:cBhvr>
+                                      <p:to>
+                                        <p:strVal val="visible"/>
+                                      </p:to>
+                                    </p:set>
+                                  </p:childTnLst>
+                                </p:cTn>
+                              </p:par>
+                              <p:par>
+                                <p:cTn id="45" presetID="1" presetClass="entr" presetSubtype="0" fill="hold" grpId="0" nodeType="withEffect">
+                                  <p:stCondLst>
+                                    <p:cond delay="0"/>
+                                  </p:stCondLst>
+                                  <p:childTnLst>
+                                    <p:set>
+                                      <p:cBhvr>
+                                        <p:cTn id="46" dur="1" fill="hold">
+                                          <p:stCondLst>
+                                            <p:cond delay="0"/>
+                                          </p:stCondLst>
+                                        </p:cTn>
+                                        <p:tgtEl>
+                                          <p:spTgt spid="29"/>
                                         </p:tgtEl>
                                         <p:attrNameLst>
                                           <p:attrName>style.visibility</p:attrName>
@@ -12501,32 +12653,32 @@
                     </p:cTn>
                   </p:par>
                   <p:par>
-                    <p:cTn id="45" fill="hold">
+                    <p:cTn id="47" fill="hold">
                       <p:stCondLst>
                         <p:cond delay="indefinite"/>
                       </p:stCondLst>
                       <p:childTnLst>
                         <p:par>
-                          <p:cTn id="46" fill="hold">
+                          <p:cTn id="48" fill="hold">
                             <p:stCondLst>
                               <p:cond delay="0"/>
                             </p:stCondLst>
                             <p:childTnLst>
                               <p:par>
-                                <p:cTn id="47" presetID="1" presetClass="entr" presetSubtype="0" fill="hold" nodeType="clickEffect">
+                                <p:cTn id="49" presetID="1" presetClass="entr" presetSubtype="0" fill="hold" grpId="0" nodeType="clickEffect">
                                   <p:stCondLst>
                                     <p:cond delay="0"/>
                                   </p:stCondLst>
                                   <p:childTnLst>
                                     <p:set>
                                       <p:cBhvr>
-                                        <p:cTn id="48" dur="1" fill="hold">
+                                        <p:cTn id="50" dur="1" fill="hold">
                                           <p:stCondLst>
                                             <p:cond delay="0"/>
                                           </p:stCondLst>
                                         </p:cTn>
                                         <p:tgtEl>
-                                          <p:spTgt spid="21"/>
+                                          <p:spTgt spid="37"/>
                                         </p:tgtEl>
                                         <p:attrNameLst>
                                           <p:attrName>style.visibility</p:attrName>
@@ -12540,20 +12692,20 @@
                                 </p:cTn>
                               </p:par>
                               <p:par>
-                                <p:cTn id="49" presetID="1" presetClass="entr" presetSubtype="0" fill="hold" grpId="0" nodeType="withEffect">
+                                <p:cTn id="51" presetID="1" presetClass="entr" presetSubtype="0" fill="hold" grpId="0" nodeType="withEffect">
                                   <p:stCondLst>
                                     <p:cond delay="0"/>
                                   </p:stCondLst>
                                   <p:childTnLst>
                                     <p:set>
                                       <p:cBhvr>
-                                        <p:cTn id="50" dur="1" fill="hold">
+                                        <p:cTn id="52" dur="1" fill="hold">
                                           <p:stCondLst>
                                             <p:cond delay="0"/>
                                           </p:stCondLst>
                                         </p:cTn>
                                         <p:tgtEl>
-                                          <p:spTgt spid="26"/>
+                                          <p:spTgt spid="45"/>
                                         </p:tgtEl>
                                         <p:attrNameLst>
                                           <p:attrName>style.visibility</p:attrName>
@@ -12566,26 +12718,8 @@
                                   </p:childTnLst>
                                 </p:cTn>
                               </p:par>
-                            </p:childTnLst>
-                          </p:cTn>
-                        </p:par>
-                      </p:childTnLst>
-                    </p:cTn>
-                  </p:par>
-                  <p:par>
-                    <p:cTn id="51" fill="hold">
-                      <p:stCondLst>
-                        <p:cond delay="indefinite"/>
-                      </p:stCondLst>
-                      <p:childTnLst>
-                        <p:par>
-                          <p:cTn id="52" fill="hold">
-                            <p:stCondLst>
-                              <p:cond delay="0"/>
-                            </p:stCondLst>
-                            <p:childTnLst>
                               <p:par>
-                                <p:cTn id="53" presetID="1" presetClass="entr" presetSubtype="0" fill="hold" grpId="0" nodeType="clickEffect">
+                                <p:cTn id="53" presetID="1" presetClass="entr" presetSubtype="0" fill="hold" grpId="0" nodeType="withEffect">
                                   <p:stCondLst>
                                     <p:cond delay="0"/>
                                   </p:stCondLst>
@@ -12598,7 +12732,7 @@
                                           </p:stCondLst>
                                         </p:cTn>
                                         <p:tgtEl>
-                                          <p:spTgt spid="35"/>
+                                          <p:spTgt spid="38"/>
                                         </p:tgtEl>
                                         <p:attrNameLst>
                                           <p:attrName>style.visibility</p:attrName>
@@ -12625,7 +12759,7 @@
                                           </p:stCondLst>
                                         </p:cTn>
                                         <p:tgtEl>
-                                          <p:spTgt spid="36"/>
+                                          <p:spTgt spid="41"/>
                                         </p:tgtEl>
                                         <p:attrNameLst>
                                           <p:attrName>style.visibility</p:attrName>
@@ -12652,7 +12786,7 @@
                                           </p:stCondLst>
                                         </p:cTn>
                                         <p:tgtEl>
-                                          <p:spTgt spid="30"/>
+                                          <p:spTgt spid="40"/>
                                         </p:tgtEl>
                                         <p:attrNameLst>
                                           <p:attrName>style.visibility</p:attrName>
@@ -12679,7 +12813,7 @@
                                           </p:stCondLst>
                                         </p:cTn>
                                         <p:tgtEl>
-                                          <p:spTgt spid="28"/>
+                                          <p:spTgt spid="39"/>
                                         </p:tgtEl>
                                         <p:attrNameLst>
                                           <p:attrName>style.visibility</p:attrName>
@@ -12693,7 +12827,7 @@
                                 </p:cTn>
                               </p:par>
                               <p:par>
-                                <p:cTn id="61" presetID="1" presetClass="entr" presetSubtype="0" fill="hold" nodeType="withEffect">
+                                <p:cTn id="61" presetID="1" presetClass="entr" presetSubtype="0" fill="hold" grpId="0" nodeType="withEffect">
                                   <p:stCondLst>
                                     <p:cond delay="0"/>
                                   </p:stCondLst>
@@ -12706,7 +12840,7 @@
                                           </p:stCondLst>
                                         </p:cTn>
                                         <p:tgtEl>
-                                          <p:spTgt spid="34"/>
+                                          <p:spTgt spid="42"/>
                                         </p:tgtEl>
                                         <p:attrNameLst>
                                           <p:attrName>style.visibility</p:attrName>
@@ -12720,7 +12854,7 @@
                                 </p:cTn>
                               </p:par>
                               <p:par>
-                                <p:cTn id="63" presetID="1" presetClass="entr" presetSubtype="0" fill="hold" nodeType="withEffect">
+                                <p:cTn id="63" presetID="1" presetClass="entr" presetSubtype="0" fill="hold" grpId="0" nodeType="withEffect">
                                   <p:stCondLst>
                                     <p:cond delay="0"/>
                                   </p:stCondLst>
@@ -12733,7 +12867,7 @@
                                           </p:stCondLst>
                                         </p:cTn>
                                         <p:tgtEl>
-                                          <p:spTgt spid="32"/>
+                                          <p:spTgt spid="43"/>
                                         </p:tgtEl>
                                         <p:attrNameLst>
                                           <p:attrName>style.visibility</p:attrName>
@@ -12760,7 +12894,34 @@
                                           </p:stCondLst>
                                         </p:cTn>
                                         <p:tgtEl>
-                                          <p:spTgt spid="29"/>
+                                          <p:spTgt spid="44"/>
+                                        </p:tgtEl>
+                                        <p:attrNameLst>
+                                          <p:attrName>style.visibility</p:attrName>
+                                        </p:attrNameLst>
+                                      </p:cBhvr>
+                                      <p:to>
+                                        <p:strVal val="visible"/>
+                                      </p:to>
+                                    </p:set>
+                                  </p:childTnLst>
+                                </p:cTn>
+                              </p:par>
+                              <p:par>
+                                <p:cTn id="67" presetID="1" presetClass="entr" presetSubtype="0" fill="hold" grpId="0" nodeType="withEffect">
+                                  <p:stCondLst>
+                                    <p:cond delay="0"/>
+                                  </p:stCondLst>
+                                  <p:childTnLst>
+                                    <p:set>
+                                      <p:cBhvr>
+                                        <p:cTn id="68" dur="1" fill="hold">
+                                          <p:stCondLst>
+                                            <p:cond delay="0"/>
+                                          </p:stCondLst>
+                                        </p:cTn>
+                                        <p:tgtEl>
+                                          <p:spTgt spid="33"/>
                                         </p:tgtEl>
                                         <p:attrNameLst>
                                           <p:attrName>style.visibility</p:attrName>
@@ -12801,16 +12962,6 @@
       </p:par>
     </p:tnLst>
     <p:bldLst>
-      <p:bldP spid="2" grpId="0" animBg="1"/>
-      <p:bldP spid="3" grpId="0" animBg="1"/>
-      <p:bldP spid="4" grpId="0" animBg="1"/>
-      <p:bldP spid="5" grpId="0" animBg="1"/>
-      <p:bldP spid="6" grpId="0" animBg="1"/>
-      <p:bldP spid="7" grpId="0" animBg="1"/>
-      <p:bldP spid="8" grpId="0" animBg="1"/>
-      <p:bldP spid="9" grpId="0" animBg="1"/>
-      <p:bldP spid="10" grpId="0" animBg="1"/>
-      <p:bldP spid="11" grpId="0" animBg="1"/>
       <p:bldP spid="14" grpId="0" animBg="1"/>
       <p:bldP spid="15" grpId="0" animBg="1"/>
       <p:bldP spid="16" grpId="0" animBg="1"/>
@@ -12823,12 +12974,22 @@
       <p:bldP spid="30" grpId="0" animBg="1"/>
       <p:bldP spid="35" grpId="0" animBg="1"/>
       <p:bldP spid="36" grpId="0"/>
+      <p:bldP spid="33" grpId="0" animBg="1"/>
+      <p:bldP spid="37" grpId="0" animBg="1"/>
+      <p:bldP spid="38" grpId="0" animBg="1"/>
+      <p:bldP spid="39" grpId="0" animBg="1"/>
+      <p:bldP spid="40" grpId="0" animBg="1"/>
+      <p:bldP spid="41" grpId="0" animBg="1"/>
+      <p:bldP spid="42" grpId="0" animBg="1"/>
+      <p:bldP spid="43" grpId="0" animBg="1"/>
+      <p:bldP spid="44" grpId="0" animBg="1"/>
+      <p:bldP spid="45" grpId="0" animBg="1"/>
     </p:bldLst>
   </p:timing>
 </p:sld>
 </file>
 
-<file path=ppt/slides/slide6.xml><?xml version="1.0" encoding="utf-8"?>
+<file path=ppt/slides/slide7.xml><?xml version="1.0" encoding="utf-8"?>
 <p:sld xmlns:a="http://schemas.openxmlformats.org/drawingml/2006/main" xmlns:r="http://schemas.openxmlformats.org/officeDocument/2006/relationships" xmlns:p="http://schemas.openxmlformats.org/presentationml/2006/main">
   <p:cSld>
     <p:spTree>
@@ -12911,7 +13072,7 @@
 </p:sld>
 </file>
 
-<file path=ppt/slides/slide7.xml><?xml version="1.0" encoding="utf-8"?>
+<file path=ppt/slides/slide8.xml><?xml version="1.0" encoding="utf-8"?>
 <p:sld xmlns:a="http://schemas.openxmlformats.org/drawingml/2006/main" xmlns:r="http://schemas.openxmlformats.org/officeDocument/2006/relationships" xmlns:p="http://schemas.openxmlformats.org/presentationml/2006/main">
   <p:cSld>
     <p:spTree>
@@ -12989,69 +13150,6 @@
 </p:sld>
 </file>
 
-<file path=ppt/slides/slide8.xml><?xml version="1.0" encoding="utf-8"?>
-<p:sld xmlns:a="http://schemas.openxmlformats.org/drawingml/2006/main" xmlns:r="http://schemas.openxmlformats.org/officeDocument/2006/relationships" xmlns:p="http://schemas.openxmlformats.org/presentationml/2006/main">
-  <p:cSld>
-    <p:spTree>
-      <p:nvGrpSpPr>
-        <p:cNvPr id="1" name=""/>
-        <p:cNvGrpSpPr/>
-        <p:nvPr/>
-      </p:nvGrpSpPr>
-      <p:grpSpPr>
-        <a:xfrm>
-          <a:off x="0" y="0"/>
-          <a:ext cx="0" cy="0"/>
-          <a:chOff x="0" y="0"/>
-          <a:chExt cx="0" cy="0"/>
-        </a:xfrm>
-      </p:grpSpPr>
-      <p:sp>
-        <p:nvSpPr>
-          <p:cNvPr id="2" name="Title 1"/>
-          <p:cNvSpPr>
-            <a:spLocks noGrp="1"/>
-          </p:cNvSpPr>
-          <p:nvPr>
-            <p:ph type="ctrTitle"/>
-          </p:nvPr>
-        </p:nvSpPr>
-        <p:spPr/>
-        <p:txBody>
-          <a:bodyPr/>
-          <a:lstStyle/>
-          <a:p>
-            <a:endParaRPr lang="en-US" dirty="0"/>
-          </a:p>
-        </p:txBody>
-      </p:sp>
-      <p:sp>
-        <p:nvSpPr>
-          <p:cNvPr id="3" name="Subtitle 2"/>
-          <p:cNvSpPr>
-            <a:spLocks noGrp="1"/>
-          </p:cNvSpPr>
-          <p:nvPr>
-            <p:ph type="subTitle" idx="1"/>
-          </p:nvPr>
-        </p:nvSpPr>
-        <p:spPr/>
-        <p:txBody>
-          <a:bodyPr/>
-          <a:lstStyle/>
-          <a:p>
-            <a:endParaRPr lang="en-US"/>
-          </a:p>
-        </p:txBody>
-      </p:sp>
-    </p:spTree>
-  </p:cSld>
-  <p:clrMapOvr>
-    <a:masterClrMapping/>
-  </p:clrMapOvr>
-</p:sld>
-</file>
-
 <file path=ppt/slides/slide9.xml><?xml version="1.0" encoding="utf-8"?>
 <p:sld xmlns:a="http://schemas.openxmlformats.org/drawingml/2006/main" xmlns:r="http://schemas.openxmlformats.org/officeDocument/2006/relationships" xmlns:p="http://schemas.openxmlformats.org/presentationml/2006/main">
   <p:cSld>
@@ -13108,33 +13206,25 @@
           <a:p>
             <a:r>
               <a:rPr lang="en-US" dirty="0"/>
-              <a:t>Locks are Slow</a:t>
+              <a:t>Locks are slow</a:t>
             </a:r>
           </a:p>
           <a:p>
             <a:r>
               <a:rPr lang="en-US" dirty="0"/>
-              <a:t>More threads not always means speed up</a:t>
+              <a:t>More threads didn’t always translate to speed up</a:t>
             </a:r>
           </a:p>
           <a:p>
             <a:r>
               <a:rPr lang="en-US" dirty="0"/>
-              <a:t>Algorithm should be selected by size of data</a:t>
+              <a:t>Algorithm should consider size of data and underlying architecture </a:t>
             </a:r>
           </a:p>
           <a:p>
             <a:r>
               <a:rPr lang="en-US" dirty="0"/>
-              <a:t>3X speed up was </a:t>
-            </a:r>
-            <a:r>
-              <a:rPr lang="en-US"/>
-              <a:t>only 3ms </a:t>
-            </a:r>
-            <a:r>
-              <a:rPr lang="en-US" dirty="0"/>
-              <a:t>improvement form single thread and 1.5ms from 3 thread</a:t>
+              <a:t>3X speed up was only 3ms improvement from single thread and 1.5ms from 3 thread</a:t>
             </a:r>
           </a:p>
           <a:p>

--- a/Documentation/Database Join.pptx
+++ b/Documentation/Database Join.pptx
@@ -8,11 +8,11 @@
     <p:sldId id="256" r:id="rId2"/>
     <p:sldId id="261" r:id="rId3"/>
     <p:sldId id="262" r:id="rId4"/>
-    <p:sldId id="265" r:id="rId5"/>
-    <p:sldId id="257" r:id="rId6"/>
-    <p:sldId id="258" r:id="rId7"/>
-    <p:sldId id="259" r:id="rId8"/>
-    <p:sldId id="264" r:id="rId9"/>
+    <p:sldId id="257" r:id="rId5"/>
+    <p:sldId id="258" r:id="rId6"/>
+    <p:sldId id="259" r:id="rId7"/>
+    <p:sldId id="264" r:id="rId8"/>
+    <p:sldId id="263" r:id="rId9"/>
     <p:sldId id="260" r:id="rId10"/>
   </p:sldIdLst>
   <p:sldSz cx="12192000" cy="6858000"/>
@@ -451,11 +451,11 @@
         </c:dLbls>
         <c:gapWidth val="219"/>
         <c:overlap val="-27"/>
-        <c:axId val="307723792"/>
-        <c:axId val="307724184"/>
+        <c:axId val="317287224"/>
+        <c:axId val="317287616"/>
       </c:barChart>
       <c:catAx>
-        <c:axId val="307723792"/>
+        <c:axId val="317287224"/>
         <c:scaling>
           <c:orientation val="minMax"/>
         </c:scaling>
@@ -553,7 +553,7 @@
             <a:endParaRPr lang="en-US"/>
           </a:p>
         </c:txPr>
-        <c:crossAx val="307724184"/>
+        <c:crossAx val="317287616"/>
         <c:crosses val="autoZero"/>
         <c:auto val="1"/>
         <c:lblAlgn val="ctr"/>
@@ -561,7 +561,7 @@
         <c:noMultiLvlLbl val="0"/>
       </c:catAx>
       <c:valAx>
-        <c:axId val="307724184"/>
+        <c:axId val="317287616"/>
         <c:scaling>
           <c:orientation val="minMax"/>
         </c:scaling>
@@ -667,7 +667,7 @@
             <a:endParaRPr lang="en-US"/>
           </a:p>
         </c:txPr>
-        <c:crossAx val="307723792"/>
+        <c:crossAx val="317287224"/>
         <c:crosses val="autoZero"/>
         <c:crossBetween val="between"/>
       </c:valAx>
@@ -1037,11 +1037,11 @@
         </c:dLbls>
         <c:gapWidth val="219"/>
         <c:overlap val="-27"/>
-        <c:axId val="13492320"/>
-        <c:axId val="13492712"/>
+        <c:axId val="531765760"/>
+        <c:axId val="531760272"/>
       </c:barChart>
       <c:catAx>
-        <c:axId val="13492320"/>
+        <c:axId val="531765760"/>
         <c:scaling>
           <c:orientation val="minMax"/>
         </c:scaling>
@@ -1144,7 +1144,7 @@
             <a:endParaRPr lang="en-US"/>
           </a:p>
         </c:txPr>
-        <c:crossAx val="13492712"/>
+        <c:crossAx val="531760272"/>
         <c:crosses val="autoZero"/>
         <c:auto val="1"/>
         <c:lblAlgn val="ctr"/>
@@ -1152,7 +1152,7 @@
         <c:noMultiLvlLbl val="0"/>
       </c:catAx>
       <c:valAx>
-        <c:axId val="13492712"/>
+        <c:axId val="531760272"/>
         <c:scaling>
           <c:orientation val="minMax"/>
         </c:scaling>
@@ -1263,7 +1263,7 @@
             <a:endParaRPr lang="en-US"/>
           </a:p>
         </c:txPr>
-        <c:crossAx val="13492320"/>
+        <c:crossAx val="531765760"/>
         <c:crosses val="autoZero"/>
         <c:crossBetween val="between"/>
       </c:valAx>
@@ -2519,7 +2519,7 @@
           <a:p>
             <a:fld id="{9929294F-FD0C-4E5B-BF40-6F4A702FFFD0}" type="datetimeFigureOut">
               <a:rPr lang="en-US" smtClean="0"/>
-              <a:t>3/14/2017</a:t>
+              <a:t>3/11/2017</a:t>
             </a:fld>
             <a:endParaRPr lang="en-US"/>
           </a:p>
@@ -2689,7 +2689,7 @@
           <a:p>
             <a:fld id="{9929294F-FD0C-4E5B-BF40-6F4A702FFFD0}" type="datetimeFigureOut">
               <a:rPr lang="en-US" smtClean="0"/>
-              <a:t>3/14/2017</a:t>
+              <a:t>3/11/2017</a:t>
             </a:fld>
             <a:endParaRPr lang="en-US"/>
           </a:p>
@@ -2869,7 +2869,7 @@
           <a:p>
             <a:fld id="{9929294F-FD0C-4E5B-BF40-6F4A702FFFD0}" type="datetimeFigureOut">
               <a:rPr lang="en-US" smtClean="0"/>
-              <a:t>3/14/2017</a:t>
+              <a:t>3/11/2017</a:t>
             </a:fld>
             <a:endParaRPr lang="en-US"/>
           </a:p>
@@ -3039,7 +3039,7 @@
           <a:p>
             <a:fld id="{9929294F-FD0C-4E5B-BF40-6F4A702FFFD0}" type="datetimeFigureOut">
               <a:rPr lang="en-US" smtClean="0"/>
-              <a:t>3/14/2017</a:t>
+              <a:t>3/11/2017</a:t>
             </a:fld>
             <a:endParaRPr lang="en-US"/>
           </a:p>
@@ -3285,7 +3285,7 @@
           <a:p>
             <a:fld id="{9929294F-FD0C-4E5B-BF40-6F4A702FFFD0}" type="datetimeFigureOut">
               <a:rPr lang="en-US" smtClean="0"/>
-              <a:t>3/14/2017</a:t>
+              <a:t>3/11/2017</a:t>
             </a:fld>
             <a:endParaRPr lang="en-US"/>
           </a:p>
@@ -3517,7 +3517,7 @@
           <a:p>
             <a:fld id="{9929294F-FD0C-4E5B-BF40-6F4A702FFFD0}" type="datetimeFigureOut">
               <a:rPr lang="en-US" smtClean="0"/>
-              <a:t>3/14/2017</a:t>
+              <a:t>3/11/2017</a:t>
             </a:fld>
             <a:endParaRPr lang="en-US"/>
           </a:p>
@@ -3884,7 +3884,7 @@
           <a:p>
             <a:fld id="{9929294F-FD0C-4E5B-BF40-6F4A702FFFD0}" type="datetimeFigureOut">
               <a:rPr lang="en-US" smtClean="0"/>
-              <a:t>3/14/2017</a:t>
+              <a:t>3/11/2017</a:t>
             </a:fld>
             <a:endParaRPr lang="en-US"/>
           </a:p>
@@ -4002,7 +4002,7 @@
           <a:p>
             <a:fld id="{9929294F-FD0C-4E5B-BF40-6F4A702FFFD0}" type="datetimeFigureOut">
               <a:rPr lang="en-US" smtClean="0"/>
-              <a:t>3/14/2017</a:t>
+              <a:t>3/11/2017</a:t>
             </a:fld>
             <a:endParaRPr lang="en-US"/>
           </a:p>
@@ -4097,7 +4097,7 @@
           <a:p>
             <a:fld id="{9929294F-FD0C-4E5B-BF40-6F4A702FFFD0}" type="datetimeFigureOut">
               <a:rPr lang="en-US" smtClean="0"/>
-              <a:t>3/14/2017</a:t>
+              <a:t>3/11/2017</a:t>
             </a:fld>
             <a:endParaRPr lang="en-US"/>
           </a:p>
@@ -4374,7 +4374,7 @@
           <a:p>
             <a:fld id="{9929294F-FD0C-4E5B-BF40-6F4A702FFFD0}" type="datetimeFigureOut">
               <a:rPr lang="en-US" smtClean="0"/>
-              <a:t>3/14/2017</a:t>
+              <a:t>3/11/2017</a:t>
             </a:fld>
             <a:endParaRPr lang="en-US"/>
           </a:p>
@@ -4631,7 +4631,7 @@
           <a:p>
             <a:fld id="{9929294F-FD0C-4E5B-BF40-6F4A702FFFD0}" type="datetimeFigureOut">
               <a:rPr lang="en-US" smtClean="0"/>
-              <a:t>3/14/2017</a:t>
+              <a:t>3/11/2017</a:t>
             </a:fld>
             <a:endParaRPr lang="en-US"/>
           </a:p>
@@ -4844,7 +4844,7 @@
           <a:p>
             <a:fld id="{9929294F-FD0C-4E5B-BF40-6F4A702FFFD0}" type="datetimeFigureOut">
               <a:rPr lang="en-US" smtClean="0"/>
-              <a:t>3/14/2017</a:t>
+              <a:t>3/11/2017</a:t>
             </a:fld>
             <a:endParaRPr lang="en-US"/>
           </a:p>
@@ -5574,8 +5574,8 @@
         </p:nvSpPr>
         <p:spPr>
           <a:xfrm>
-            <a:off x="6627519" y="2510987"/>
-            <a:ext cx="2953822" cy="1477328"/>
+            <a:off x="6790447" y="2510987"/>
+            <a:ext cx="2627964" cy="1477328"/>
           </a:xfrm>
           <a:prstGeom prst="rect">
             <a:avLst/>
@@ -5598,14 +5598,14 @@
             <a:pPr algn="ctr"/>
             <a:r>
               <a:rPr lang="en-US" dirty="0"/>
-              <a:t>With only common elements </a:t>
+              <a:t>With only the elements </a:t>
             </a:r>
           </a:p>
           <a:p>
             <a:pPr algn="ctr"/>
             <a:r>
               <a:rPr lang="en-US" dirty="0"/>
-              <a:t> on the input </a:t>
+              <a:t> common on the input </a:t>
             </a:r>
           </a:p>
           <a:p>
@@ -5677,15 +5677,33 @@
                                   </p:childTnLst>
                                 </p:cTn>
                               </p:par>
+                            </p:childTnLst>
+                          </p:cTn>
+                        </p:par>
+                      </p:childTnLst>
+                    </p:cTn>
+                  </p:par>
+                  <p:par>
+                    <p:cTn id="7" fill="hold">
+                      <p:stCondLst>
+                        <p:cond delay="indefinite"/>
+                      </p:stCondLst>
+                      <p:childTnLst>
+                        <p:par>
+                          <p:cTn id="8" fill="hold">
+                            <p:stCondLst>
+                              <p:cond delay="0"/>
+                            </p:stCondLst>
+                            <p:childTnLst>
                               <p:par>
-                                <p:cTn id="7" presetID="1" presetClass="entr" presetSubtype="0" fill="hold" grpId="0" nodeType="withEffect">
+                                <p:cTn id="9" presetID="1" presetClass="entr" presetSubtype="0" fill="hold" grpId="0" nodeType="clickEffect">
                                   <p:stCondLst>
                                     <p:cond delay="0"/>
                                   </p:stCondLst>
                                   <p:childTnLst>
                                     <p:set>
                                       <p:cBhvr>
-                                        <p:cTn id="8" dur="1" fill="hold">
+                                        <p:cTn id="10" dur="1" fill="hold">
                                           <p:stCondLst>
                                             <p:cond delay="0"/>
                                           </p:stCondLst>
@@ -5705,14 +5723,14 @@
                                 </p:cTn>
                               </p:par>
                               <p:par>
-                                <p:cTn id="9" presetID="1" presetClass="entr" presetSubtype="0" fill="hold" grpId="0" nodeType="withEffect">
+                                <p:cTn id="11" presetID="1" presetClass="entr" presetSubtype="0" fill="hold" grpId="0" nodeType="withEffect">
                                   <p:stCondLst>
                                     <p:cond delay="0"/>
                                   </p:stCondLst>
                                   <p:childTnLst>
                                     <p:set>
                                       <p:cBhvr>
-                                        <p:cTn id="10" dur="1" fill="hold">
+                                        <p:cTn id="12" dur="1" fill="hold">
                                           <p:stCondLst>
                                             <p:cond delay="0"/>
                                           </p:stCondLst>
@@ -5738,26 +5756,71 @@
                     </p:cTn>
                   </p:par>
                   <p:par>
-                    <p:cTn id="11" fill="hold">
+                    <p:cTn id="13" fill="hold">
                       <p:stCondLst>
                         <p:cond delay="indefinite"/>
                       </p:stCondLst>
                       <p:childTnLst>
                         <p:par>
-                          <p:cTn id="12" fill="hold">
+                          <p:cTn id="14" fill="hold">
                             <p:stCondLst>
                               <p:cond delay="0"/>
                             </p:stCondLst>
                             <p:childTnLst>
                               <p:par>
-                                <p:cTn id="13" presetID="1" presetClass="entr" presetSubtype="0" fill="hold" grpId="0" nodeType="clickEffect">
+                                <p:cTn id="15" presetID="1" presetClass="exit" presetSubtype="0" fill="hold" grpId="1" nodeType="clickEffect">
                                   <p:stCondLst>
                                     <p:cond delay="0"/>
                                   </p:stCondLst>
                                   <p:childTnLst>
                                     <p:set>
                                       <p:cBhvr>
-                                        <p:cTn id="14" dur="1" fill="hold">
+                                        <p:cTn id="16" dur="1" fill="hold">
+                                          <p:stCondLst>
+                                            <p:cond delay="0"/>
+                                          </p:stCondLst>
+                                        </p:cTn>
+                                        <p:tgtEl>
+                                          <p:spTgt spid="22"/>
+                                        </p:tgtEl>
+                                        <p:attrNameLst>
+                                          <p:attrName>style.visibility</p:attrName>
+                                        </p:attrNameLst>
+                                      </p:cBhvr>
+                                      <p:to>
+                                        <p:strVal val="hidden"/>
+                                      </p:to>
+                                    </p:set>
+                                  </p:childTnLst>
+                                </p:cTn>
+                              </p:par>
+                            </p:childTnLst>
+                          </p:cTn>
+                        </p:par>
+                      </p:childTnLst>
+                    </p:cTn>
+                  </p:par>
+                  <p:par>
+                    <p:cTn id="17" fill="hold">
+                      <p:stCondLst>
+                        <p:cond delay="indefinite"/>
+                      </p:stCondLst>
+                      <p:childTnLst>
+                        <p:par>
+                          <p:cTn id="18" fill="hold">
+                            <p:stCondLst>
+                              <p:cond delay="0"/>
+                            </p:stCondLst>
+                            <p:childTnLst>
+                              <p:par>
+                                <p:cTn id="19" presetID="1" presetClass="entr" presetSubtype="0" fill="hold" grpId="0" nodeType="clickEffect">
+                                  <p:stCondLst>
+                                    <p:cond delay="0"/>
+                                  </p:stCondLst>
+                                  <p:childTnLst>
+                                    <p:set>
+                                      <p:cBhvr>
+                                        <p:cTn id="20" dur="1" fill="hold">
                                           <p:stCondLst>
                                             <p:cond delay="0"/>
                                           </p:stCondLst>
@@ -5783,71 +5846,26 @@
                     </p:cTn>
                   </p:par>
                   <p:par>
-                    <p:cTn id="15" fill="hold">
+                    <p:cTn id="21" fill="hold">
                       <p:stCondLst>
                         <p:cond delay="indefinite"/>
                       </p:stCondLst>
                       <p:childTnLst>
                         <p:par>
-                          <p:cTn id="16" fill="hold">
+                          <p:cTn id="22" fill="hold">
                             <p:stCondLst>
                               <p:cond delay="0"/>
                             </p:stCondLst>
                             <p:childTnLst>
                               <p:par>
-                                <p:cTn id="17" presetID="1" presetClass="exit" presetSubtype="0" fill="hold" grpId="1" nodeType="clickEffect">
+                                <p:cTn id="23" presetID="1" presetClass="entr" presetSubtype="0" fill="hold" grpId="0" nodeType="clickEffect">
                                   <p:stCondLst>
                                     <p:cond delay="0"/>
                                   </p:stCondLst>
                                   <p:childTnLst>
                                     <p:set>
                                       <p:cBhvr>
-                                        <p:cTn id="18" dur="1" fill="hold">
-                                          <p:stCondLst>
-                                            <p:cond delay="0"/>
-                                          </p:stCondLst>
-                                        </p:cTn>
-                                        <p:tgtEl>
-                                          <p:spTgt spid="22"/>
-                                        </p:tgtEl>
-                                        <p:attrNameLst>
-                                          <p:attrName>style.visibility</p:attrName>
-                                        </p:attrNameLst>
-                                      </p:cBhvr>
-                                      <p:to>
-                                        <p:strVal val="hidden"/>
-                                      </p:to>
-                                    </p:set>
-                                  </p:childTnLst>
-                                </p:cTn>
-                              </p:par>
-                            </p:childTnLst>
-                          </p:cTn>
-                        </p:par>
-                      </p:childTnLst>
-                    </p:cTn>
-                  </p:par>
-                  <p:par>
-                    <p:cTn id="19" fill="hold">
-                      <p:stCondLst>
-                        <p:cond delay="indefinite"/>
-                      </p:stCondLst>
-                      <p:childTnLst>
-                        <p:par>
-                          <p:cTn id="20" fill="hold">
-                            <p:stCondLst>
-                              <p:cond delay="0"/>
-                            </p:stCondLst>
-                            <p:childTnLst>
-                              <p:par>
-                                <p:cTn id="21" presetID="1" presetClass="entr" presetSubtype="0" fill="hold" grpId="0" nodeType="clickEffect">
-                                  <p:stCondLst>
-                                    <p:cond delay="0"/>
-                                  </p:stCondLst>
-                                  <p:childTnLst>
-                                    <p:set>
-                                      <p:cBhvr>
-                                        <p:cTn id="22" dur="1" fill="hold">
+                                        <p:cTn id="24" dur="1" fill="hold">
                                           <p:stCondLst>
                                             <p:cond delay="0"/>
                                           </p:stCondLst>
@@ -5867,14 +5885,14 @@
                                 </p:cTn>
                               </p:par>
                               <p:par>
-                                <p:cTn id="23" presetID="1" presetClass="entr" presetSubtype="0" fill="hold" grpId="0" nodeType="withEffect">
+                                <p:cTn id="25" presetID="1" presetClass="entr" presetSubtype="0" fill="hold" grpId="0" nodeType="withEffect">
                                   <p:stCondLst>
                                     <p:cond delay="0"/>
                                   </p:stCondLst>
                                   <p:childTnLst>
                                     <p:set>
                                       <p:cBhvr>
-                                        <p:cTn id="24" dur="1" fill="hold">
+                                        <p:cTn id="26" dur="1" fill="hold">
                                           <p:stCondLst>
                                             <p:cond delay="0"/>
                                           </p:stCondLst>
@@ -8242,124 +8260,7 @@
           <a:p>
             <a:r>
               <a:rPr lang="en-US" dirty="0"/>
-              <a:t>Data Generation</a:t>
-            </a:r>
-          </a:p>
-        </p:txBody>
-      </p:sp>
-      <p:sp>
-        <p:nvSpPr>
-          <p:cNvPr id="3" name="Content Placeholder 2"/>
-          <p:cNvSpPr>
-            <a:spLocks noGrp="1"/>
-          </p:cNvSpPr>
-          <p:nvPr>
-            <p:ph idx="1"/>
-          </p:nvPr>
-        </p:nvSpPr>
-        <p:spPr/>
-        <p:txBody>
-          <a:bodyPr/>
-          <a:lstStyle/>
-          <a:p>
-            <a:r>
-              <a:rPr lang="en-US" dirty="0"/>
-              <a:t>We used census information for names and surnames list</a:t>
-            </a:r>
-          </a:p>
-          <a:p>
-            <a:r>
-              <a:rPr lang="en-US" dirty="0"/>
-              <a:t>List of cities and postal codes from and online source</a:t>
-            </a:r>
-          </a:p>
-          <a:p>
-            <a:r>
-              <a:rPr lang="en-US" dirty="0"/>
-              <a:t>Python scripts to:</a:t>
-            </a:r>
-          </a:p>
-          <a:p>
-            <a:pPr lvl="1"/>
-            <a:r>
-              <a:rPr lang="en-US" dirty="0"/>
-              <a:t>Generate random numbers </a:t>
-            </a:r>
-          </a:p>
-          <a:p>
-            <a:pPr lvl="1"/>
-            <a:r>
-              <a:rPr lang="en-US" dirty="0"/>
-              <a:t>Generate random names using list </a:t>
-            </a:r>
-          </a:p>
-          <a:p>
-            <a:pPr lvl="1"/>
-            <a:r>
-              <a:rPr lang="en-US" dirty="0"/>
-              <a:t>Pick names from sources </a:t>
-            </a:r>
-          </a:p>
-          <a:p>
-            <a:pPr lvl="1"/>
-            <a:r>
-              <a:rPr lang="en-US" dirty="0"/>
-              <a:t>Generate employee and trip database</a:t>
-            </a:r>
-          </a:p>
-          <a:p>
-            <a:endParaRPr lang="en-US" dirty="0"/>
-          </a:p>
-        </p:txBody>
-      </p:sp>
-    </p:spTree>
-    <p:extLst>
-      <p:ext uri="{BB962C8B-B14F-4D97-AF65-F5344CB8AC3E}">
-        <p14:creationId xmlns:p14="http://schemas.microsoft.com/office/powerpoint/2010/main" val="2571746627"/>
-      </p:ext>
-    </p:extLst>
-  </p:cSld>
-  <p:clrMapOvr>
-    <a:masterClrMapping/>
-  </p:clrMapOvr>
-</p:sld>
-</file>
-
-<file path=ppt/slides/slide5.xml><?xml version="1.0" encoding="utf-8"?>
-<p:sld xmlns:a="http://schemas.openxmlformats.org/drawingml/2006/main" xmlns:r="http://schemas.openxmlformats.org/officeDocument/2006/relationships" xmlns:p="http://schemas.openxmlformats.org/presentationml/2006/main">
-  <p:cSld>
-    <p:spTree>
-      <p:nvGrpSpPr>
-        <p:cNvPr id="1" name=""/>
-        <p:cNvGrpSpPr/>
-        <p:nvPr/>
-      </p:nvGrpSpPr>
-      <p:grpSpPr>
-        <a:xfrm>
-          <a:off x="0" y="0"/>
-          <a:ext cx="0" cy="0"/>
-          <a:chOff x="0" y="0"/>
-          <a:chExt cx="0" cy="0"/>
-        </a:xfrm>
-      </p:grpSpPr>
-      <p:sp>
-        <p:nvSpPr>
-          <p:cNvPr id="2" name="Title 1"/>
-          <p:cNvSpPr>
-            <a:spLocks noGrp="1"/>
-          </p:cNvSpPr>
-          <p:nvPr>
-            <p:ph type="title"/>
-          </p:nvPr>
-        </p:nvSpPr>
-        <p:spPr/>
-        <p:txBody>
-          <a:bodyPr/>
-          <a:lstStyle/>
-          <a:p>
-            <a:r>
-              <a:rPr lang="en-US" dirty="0"/>
-              <a:t>Our Parallel Implementation </a:t>
+              <a:t>Our Implementation </a:t>
             </a:r>
           </a:p>
         </p:txBody>
@@ -8445,7 +8346,7 @@
             <a:pPr algn="ctr"/>
             <a:r>
               <a:rPr lang="en-US" dirty="0"/>
-              <a:t>T</a:t>
+              <a:t>C</a:t>
             </a:r>
             <a:r>
               <a:rPr lang="en-US" sz="1200" dirty="0"/>
@@ -8492,11 +8393,11 @@
             <a:pPr algn="ctr"/>
             <a:r>
               <a:rPr lang="en-US" dirty="0"/>
-              <a:t>T</a:t>
+              <a:t>C</a:t>
             </a:r>
             <a:r>
               <a:rPr lang="en-US" sz="1200" dirty="0"/>
-              <a:t>t</a:t>
+              <a:t>3</a:t>
             </a:r>
           </a:p>
         </p:txBody>
@@ -8539,7 +8440,7 @@
             <a:pPr algn="ctr"/>
             <a:r>
               <a:rPr lang="en-US" dirty="0"/>
-              <a:t>T</a:t>
+              <a:t>C</a:t>
             </a:r>
             <a:r>
               <a:rPr lang="en-US" sz="1200" dirty="0"/>
@@ -8798,7 +8699,7 @@
             </a:r>
             <a:r>
               <a:rPr lang="en-US" sz="1200" dirty="0"/>
-              <a:t>0,n</a:t>
+              <a:t>t,0</a:t>
             </a:r>
           </a:p>
         </p:txBody>
@@ -8939,7 +8840,7 @@
             </a:r>
             <a:r>
               <a:rPr lang="en-US" sz="1200" dirty="0"/>
-              <a:t>1,1</a:t>
+              <a:t>t,1</a:t>
             </a:r>
           </a:p>
         </p:txBody>
@@ -8981,14 +8882,13 @@
           <a:p>
             <a:pPr algn="ctr"/>
             <a:r>
-              <a:rPr lang="en-US" dirty="0" err="1"/>
+              <a:rPr lang="en-US" dirty="0"/>
               <a:t>H</a:t>
             </a:r>
             <a:r>
-              <a:rPr lang="en-US" sz="1200" dirty="0" err="1"/>
-              <a:t>t,n</a:t>
-            </a:r>
-            <a:endParaRPr lang="en-US" sz="1200" dirty="0"/>
+              <a:rPr lang="en-US" sz="1200" dirty="0"/>
+              <a:t>0,n</a:t>
+            </a:r>
           </a:p>
         </p:txBody>
       </p:sp>
@@ -9129,7 +9029,7 @@
             </a:r>
             <a:r>
               <a:rPr lang="en-US" sz="1200" dirty="0"/>
-              <a:t>0,1</a:t>
+              <a:t>1,0</a:t>
             </a:r>
           </a:p>
         </p:txBody>
@@ -9290,13 +9190,14 @@
           <p:cNvPr id="36" name="Straight Arrow Connector 35"/>
           <p:cNvCxnSpPr>
             <a:stCxn id="9" idx="3"/>
+            <a:endCxn id="19" idx="1"/>
           </p:cNvCxnSpPr>
           <p:nvPr/>
         </p:nvCxnSpPr>
         <p:spPr>
-          <a:xfrm>
-            <a:off x="3400816" y="4095240"/>
-            <a:ext cx="2633167" cy="108646"/>
+          <a:xfrm flipV="1">
+            <a:off x="3400816" y="4001294"/>
+            <a:ext cx="2669992" cy="93946"/>
           </a:xfrm>
           <a:prstGeom prst="straightConnector1">
             <a:avLst/>
@@ -9371,7 +9272,7 @@
         <p:spPr>
           <a:xfrm>
             <a:off x="5953380" y="1397255"/>
-            <a:ext cx="4137286" cy="923330"/>
+            <a:ext cx="2758191" cy="923330"/>
           </a:xfrm>
           <a:prstGeom prst="rect">
             <a:avLst/>
@@ -9392,13 +9293,13 @@
           <a:p>
             <a:r>
               <a:rPr lang="en-US" dirty="0"/>
-              <a:t>Create one array per thread</a:t>
+              <a:t>Create a 2D array </a:t>
             </a:r>
           </a:p>
           <a:p>
             <a:r>
               <a:rPr lang="en-US" dirty="0"/>
-              <a:t>Each element is a pointer to a Linked List </a:t>
+              <a:t>To store the hashed results </a:t>
             </a:r>
           </a:p>
         </p:txBody>
@@ -9447,13 +9348,15 @@
       <p:cxnSp>
         <p:nvCxnSpPr>
           <p:cNvPr id="46" name="Straight Arrow Connector 45"/>
-          <p:cNvCxnSpPr/>
+          <p:cNvCxnSpPr>
+            <a:endCxn id="17" idx="1"/>
+          </p:cNvCxnSpPr>
           <p:nvPr/>
         </p:nvCxnSpPr>
         <p:spPr>
           <a:xfrm flipV="1">
-            <a:off x="3215295" y="3174576"/>
-            <a:ext cx="3900200" cy="2260521"/>
+            <a:off x="3400815" y="3174576"/>
+            <a:ext cx="3545636" cy="2260521"/>
           </a:xfrm>
           <a:prstGeom prst="straightConnector1">
             <a:avLst/>
@@ -9616,7 +9519,7 @@
           <a:p>
             <a:r>
               <a:rPr lang="en-US" dirty="0"/>
-              <a:t>Two-Dimensional array. </a:t>
+              <a:t>Two Dimensional array. </a:t>
             </a:r>
           </a:p>
           <a:p>
@@ -10857,7 +10760,7 @@
 </p:sld>
 </file>
 
-<file path=ppt/slides/slide6.xml><?xml version="1.0" encoding="utf-8"?>
+<file path=ppt/slides/slide5.xml><?xml version="1.0" encoding="utf-8"?>
 <p:sld xmlns:a="http://schemas.openxmlformats.org/drawingml/2006/main" xmlns:r="http://schemas.openxmlformats.org/officeDocument/2006/relationships" xmlns:p="http://schemas.openxmlformats.org/presentationml/2006/main">
   <p:cSld>
     <p:spTree>
@@ -10874,6 +10777,470 @@
           <a:chExt cx="0" cy="0"/>
         </a:xfrm>
       </p:grpSpPr>
+      <p:sp>
+        <p:nvSpPr>
+          <p:cNvPr id="2" name="Rounded Rectangle 1"/>
+          <p:cNvSpPr/>
+          <p:nvPr/>
+        </p:nvSpPr>
+        <p:spPr>
+          <a:xfrm>
+            <a:off x="5996030" y="1823637"/>
+            <a:ext cx="2849031" cy="2825452"/>
+          </a:xfrm>
+          <a:prstGeom prst="roundRect">
+            <a:avLst/>
+          </a:prstGeom>
+          <a:noFill/>
+        </p:spPr>
+        <p:style>
+          <a:lnRef idx="2">
+            <a:schemeClr val="accent1">
+              <a:shade val="50000"/>
+            </a:schemeClr>
+          </a:lnRef>
+          <a:fillRef idx="1">
+            <a:schemeClr val="accent1"/>
+          </a:fillRef>
+          <a:effectRef idx="0">
+            <a:schemeClr val="accent1"/>
+          </a:effectRef>
+          <a:fontRef idx="minor">
+            <a:schemeClr val="lt1"/>
+          </a:fontRef>
+        </p:style>
+        <p:txBody>
+          <a:bodyPr rtlCol="0" anchor="ctr"/>
+          <a:lstStyle/>
+          <a:p>
+            <a:pPr algn="ctr"/>
+            <a:endParaRPr lang="en-US"/>
+          </a:p>
+        </p:txBody>
+      </p:sp>
+      <p:sp>
+        <p:nvSpPr>
+          <p:cNvPr id="3" name="Rectangle 2"/>
+          <p:cNvSpPr/>
+          <p:nvPr/>
+        </p:nvSpPr>
+        <p:spPr>
+          <a:xfrm>
+            <a:off x="6197490" y="2065564"/>
+            <a:ext cx="711375" cy="688161"/>
+          </a:xfrm>
+          <a:prstGeom prst="rect">
+            <a:avLst/>
+          </a:prstGeom>
+        </p:spPr>
+        <p:style>
+          <a:lnRef idx="2">
+            <a:schemeClr val="accent1">
+              <a:shade val="50000"/>
+            </a:schemeClr>
+          </a:lnRef>
+          <a:fillRef idx="1">
+            <a:schemeClr val="accent1"/>
+          </a:fillRef>
+          <a:effectRef idx="0">
+            <a:schemeClr val="accent1"/>
+          </a:effectRef>
+          <a:fontRef idx="minor">
+            <a:schemeClr val="lt1"/>
+          </a:fontRef>
+        </p:style>
+        <p:txBody>
+          <a:bodyPr rtlCol="0" anchor="ctr"/>
+          <a:lstStyle/>
+          <a:p>
+            <a:pPr algn="ctr"/>
+            <a:r>
+              <a:rPr lang="en-US" dirty="0"/>
+              <a:t>H</a:t>
+            </a:r>
+            <a:r>
+              <a:rPr lang="en-US" sz="1200" dirty="0"/>
+              <a:t>0,0</a:t>
+            </a:r>
+          </a:p>
+        </p:txBody>
+      </p:sp>
+      <p:sp>
+        <p:nvSpPr>
+          <p:cNvPr id="4" name="Rectangle 3"/>
+          <p:cNvSpPr/>
+          <p:nvPr/>
+        </p:nvSpPr>
+        <p:spPr>
+          <a:xfrm>
+            <a:off x="7948774" y="2065564"/>
+            <a:ext cx="711375" cy="688161"/>
+          </a:xfrm>
+          <a:prstGeom prst="rect">
+            <a:avLst/>
+          </a:prstGeom>
+        </p:spPr>
+        <p:style>
+          <a:lnRef idx="2">
+            <a:schemeClr val="accent1">
+              <a:shade val="50000"/>
+            </a:schemeClr>
+          </a:lnRef>
+          <a:fillRef idx="1">
+            <a:schemeClr val="accent1"/>
+          </a:fillRef>
+          <a:effectRef idx="0">
+            <a:schemeClr val="accent1"/>
+          </a:effectRef>
+          <a:fontRef idx="minor">
+            <a:schemeClr val="lt1"/>
+          </a:fontRef>
+        </p:style>
+        <p:txBody>
+          <a:bodyPr rtlCol="0" anchor="ctr"/>
+          <a:lstStyle/>
+          <a:p>
+            <a:pPr algn="ctr"/>
+            <a:r>
+              <a:rPr lang="en-US" dirty="0"/>
+              <a:t>H</a:t>
+            </a:r>
+            <a:r>
+              <a:rPr lang="en-US" sz="1200" dirty="0"/>
+              <a:t>2,0</a:t>
+            </a:r>
+          </a:p>
+        </p:txBody>
+      </p:sp>
+      <p:sp>
+        <p:nvSpPr>
+          <p:cNvPr id="5" name="Rectangle 4"/>
+          <p:cNvSpPr/>
+          <p:nvPr/>
+        </p:nvSpPr>
+        <p:spPr>
+          <a:xfrm>
+            <a:off x="6209234" y="2900507"/>
+            <a:ext cx="711375" cy="688161"/>
+          </a:xfrm>
+          <a:prstGeom prst="rect">
+            <a:avLst/>
+          </a:prstGeom>
+        </p:spPr>
+        <p:style>
+          <a:lnRef idx="2">
+            <a:schemeClr val="accent1">
+              <a:shade val="50000"/>
+            </a:schemeClr>
+          </a:lnRef>
+          <a:fillRef idx="1">
+            <a:schemeClr val="accent1"/>
+          </a:fillRef>
+          <a:effectRef idx="0">
+            <a:schemeClr val="accent1"/>
+          </a:effectRef>
+          <a:fontRef idx="minor">
+            <a:schemeClr val="lt1"/>
+          </a:fontRef>
+        </p:style>
+        <p:txBody>
+          <a:bodyPr rtlCol="0" anchor="ctr"/>
+          <a:lstStyle/>
+          <a:p>
+            <a:pPr algn="ctr"/>
+            <a:r>
+              <a:rPr lang="en-US" dirty="0"/>
+              <a:t>H</a:t>
+            </a:r>
+            <a:r>
+              <a:rPr lang="en-US" sz="1200" dirty="0"/>
+              <a:t>0,1</a:t>
+            </a:r>
+          </a:p>
+        </p:txBody>
+      </p:sp>
+      <p:sp>
+        <p:nvSpPr>
+          <p:cNvPr id="6" name="Rectangle 5"/>
+          <p:cNvSpPr/>
+          <p:nvPr/>
+        </p:nvSpPr>
+        <p:spPr>
+          <a:xfrm>
+            <a:off x="7073131" y="2892282"/>
+            <a:ext cx="711375" cy="688161"/>
+          </a:xfrm>
+          <a:prstGeom prst="rect">
+            <a:avLst/>
+          </a:prstGeom>
+        </p:spPr>
+        <p:style>
+          <a:lnRef idx="2">
+            <a:schemeClr val="accent1">
+              <a:shade val="50000"/>
+            </a:schemeClr>
+          </a:lnRef>
+          <a:fillRef idx="1">
+            <a:schemeClr val="accent1"/>
+          </a:fillRef>
+          <a:effectRef idx="0">
+            <a:schemeClr val="accent1"/>
+          </a:effectRef>
+          <a:fontRef idx="minor">
+            <a:schemeClr val="lt1"/>
+          </a:fontRef>
+        </p:style>
+        <p:txBody>
+          <a:bodyPr rtlCol="0" anchor="ctr"/>
+          <a:lstStyle/>
+          <a:p>
+            <a:pPr algn="ctr"/>
+            <a:r>
+              <a:rPr lang="en-US" dirty="0"/>
+              <a:t>H</a:t>
+            </a:r>
+            <a:r>
+              <a:rPr lang="en-US" sz="1200" dirty="0"/>
+              <a:t>1,1</a:t>
+            </a:r>
+          </a:p>
+        </p:txBody>
+      </p:sp>
+      <p:sp>
+        <p:nvSpPr>
+          <p:cNvPr id="7" name="Rectangle 6"/>
+          <p:cNvSpPr/>
+          <p:nvPr/>
+        </p:nvSpPr>
+        <p:spPr>
+          <a:xfrm>
+            <a:off x="7948775" y="2900507"/>
+            <a:ext cx="711375" cy="688161"/>
+          </a:xfrm>
+          <a:prstGeom prst="rect">
+            <a:avLst/>
+          </a:prstGeom>
+        </p:spPr>
+        <p:style>
+          <a:lnRef idx="2">
+            <a:schemeClr val="accent1">
+              <a:shade val="50000"/>
+            </a:schemeClr>
+          </a:lnRef>
+          <a:fillRef idx="1">
+            <a:schemeClr val="accent1"/>
+          </a:fillRef>
+          <a:effectRef idx="0">
+            <a:schemeClr val="accent1"/>
+          </a:effectRef>
+          <a:fontRef idx="minor">
+            <a:schemeClr val="lt1"/>
+          </a:fontRef>
+        </p:style>
+        <p:txBody>
+          <a:bodyPr rtlCol="0" anchor="ctr"/>
+          <a:lstStyle/>
+          <a:p>
+            <a:pPr algn="ctr"/>
+            <a:r>
+              <a:rPr lang="en-US" dirty="0"/>
+              <a:t>H</a:t>
+            </a:r>
+            <a:r>
+              <a:rPr lang="en-US" sz="1200" dirty="0"/>
+              <a:t>2,1</a:t>
+            </a:r>
+          </a:p>
+        </p:txBody>
+      </p:sp>
+      <p:sp>
+        <p:nvSpPr>
+          <p:cNvPr id="8" name="Rectangle 7"/>
+          <p:cNvSpPr/>
+          <p:nvPr/>
+        </p:nvSpPr>
+        <p:spPr>
+          <a:xfrm>
+            <a:off x="6209234" y="3729984"/>
+            <a:ext cx="711375" cy="688161"/>
+          </a:xfrm>
+          <a:prstGeom prst="rect">
+            <a:avLst/>
+          </a:prstGeom>
+        </p:spPr>
+        <p:style>
+          <a:lnRef idx="2">
+            <a:schemeClr val="accent1">
+              <a:shade val="50000"/>
+            </a:schemeClr>
+          </a:lnRef>
+          <a:fillRef idx="1">
+            <a:schemeClr val="accent1"/>
+          </a:fillRef>
+          <a:effectRef idx="0">
+            <a:schemeClr val="accent1"/>
+          </a:effectRef>
+          <a:fontRef idx="minor">
+            <a:schemeClr val="lt1"/>
+          </a:fontRef>
+        </p:style>
+        <p:txBody>
+          <a:bodyPr rtlCol="0" anchor="ctr"/>
+          <a:lstStyle/>
+          <a:p>
+            <a:pPr algn="ctr"/>
+            <a:r>
+              <a:rPr lang="en-US" dirty="0"/>
+              <a:t>H</a:t>
+            </a:r>
+            <a:r>
+              <a:rPr lang="en-US" sz="1200" dirty="0"/>
+              <a:t>0,2</a:t>
+            </a:r>
+          </a:p>
+        </p:txBody>
+      </p:sp>
+      <p:sp>
+        <p:nvSpPr>
+          <p:cNvPr id="9" name="Rectangle 8"/>
+          <p:cNvSpPr/>
+          <p:nvPr/>
+        </p:nvSpPr>
+        <p:spPr>
+          <a:xfrm>
+            <a:off x="7079005" y="3729984"/>
+            <a:ext cx="711375" cy="688161"/>
+          </a:xfrm>
+          <a:prstGeom prst="rect">
+            <a:avLst/>
+          </a:prstGeom>
+        </p:spPr>
+        <p:style>
+          <a:lnRef idx="2">
+            <a:schemeClr val="accent1">
+              <a:shade val="50000"/>
+            </a:schemeClr>
+          </a:lnRef>
+          <a:fillRef idx="1">
+            <a:schemeClr val="accent1"/>
+          </a:fillRef>
+          <a:effectRef idx="0">
+            <a:schemeClr val="accent1"/>
+          </a:effectRef>
+          <a:fontRef idx="minor">
+            <a:schemeClr val="lt1"/>
+          </a:fontRef>
+        </p:style>
+        <p:txBody>
+          <a:bodyPr rtlCol="0" anchor="ctr"/>
+          <a:lstStyle/>
+          <a:p>
+            <a:pPr algn="ctr"/>
+            <a:r>
+              <a:rPr lang="en-US" dirty="0"/>
+              <a:t>H</a:t>
+            </a:r>
+            <a:r>
+              <a:rPr lang="en-US" sz="1200" dirty="0"/>
+              <a:t>1,2</a:t>
+            </a:r>
+          </a:p>
+        </p:txBody>
+      </p:sp>
+      <p:sp>
+        <p:nvSpPr>
+          <p:cNvPr id="10" name="Rectangle 9"/>
+          <p:cNvSpPr/>
+          <p:nvPr/>
+        </p:nvSpPr>
+        <p:spPr>
+          <a:xfrm>
+            <a:off x="7948776" y="3729984"/>
+            <a:ext cx="711375" cy="688161"/>
+          </a:xfrm>
+          <a:prstGeom prst="rect">
+            <a:avLst/>
+          </a:prstGeom>
+        </p:spPr>
+        <p:style>
+          <a:lnRef idx="2">
+            <a:schemeClr val="accent1">
+              <a:shade val="50000"/>
+            </a:schemeClr>
+          </a:lnRef>
+          <a:fillRef idx="1">
+            <a:schemeClr val="accent1"/>
+          </a:fillRef>
+          <a:effectRef idx="0">
+            <a:schemeClr val="accent1"/>
+          </a:effectRef>
+          <a:fontRef idx="minor">
+            <a:schemeClr val="lt1"/>
+          </a:fontRef>
+        </p:style>
+        <p:txBody>
+          <a:bodyPr rtlCol="0" anchor="ctr"/>
+          <a:lstStyle/>
+          <a:p>
+            <a:pPr algn="ctr"/>
+            <a:r>
+              <a:rPr lang="en-US" dirty="0"/>
+              <a:t>H</a:t>
+            </a:r>
+            <a:r>
+              <a:rPr lang="en-US" sz="1200" dirty="0"/>
+              <a:t>2,2</a:t>
+            </a:r>
+          </a:p>
+        </p:txBody>
+      </p:sp>
+      <p:sp>
+        <p:nvSpPr>
+          <p:cNvPr id="11" name="Rectangle 10"/>
+          <p:cNvSpPr/>
+          <p:nvPr/>
+        </p:nvSpPr>
+        <p:spPr>
+          <a:xfrm>
+            <a:off x="7073132" y="2066597"/>
+            <a:ext cx="711375" cy="688161"/>
+          </a:xfrm>
+          <a:prstGeom prst="rect">
+            <a:avLst/>
+          </a:prstGeom>
+        </p:spPr>
+        <p:style>
+          <a:lnRef idx="2">
+            <a:schemeClr val="accent1">
+              <a:shade val="50000"/>
+            </a:schemeClr>
+          </a:lnRef>
+          <a:fillRef idx="1">
+            <a:schemeClr val="accent1"/>
+          </a:fillRef>
+          <a:effectRef idx="0">
+            <a:schemeClr val="accent1"/>
+          </a:effectRef>
+          <a:fontRef idx="minor">
+            <a:schemeClr val="lt1"/>
+          </a:fontRef>
+        </p:style>
+        <p:txBody>
+          <a:bodyPr rtlCol="0" anchor="ctr"/>
+          <a:lstStyle/>
+          <a:p>
+            <a:pPr algn="ctr"/>
+            <a:r>
+              <a:rPr lang="en-US" dirty="0"/>
+              <a:t>H</a:t>
+            </a:r>
+            <a:r>
+              <a:rPr lang="en-US" sz="1200" dirty="0"/>
+              <a:t>1,0</a:t>
+            </a:r>
+          </a:p>
+        </p:txBody>
+      </p:sp>
       <p:sp>
         <p:nvSpPr>
           <p:cNvPr id="14" name="Rectangle 13"/>
@@ -11043,6 +11410,82 @@
           </a:fontRef>
         </p:style>
       </p:cxnSp>
+      <p:cxnSp>
+        <p:nvCxnSpPr>
+          <p:cNvPr id="20" name="Straight Arrow Connector 19"/>
+          <p:cNvCxnSpPr>
+            <a:endCxn id="2" idx="1"/>
+          </p:cNvCxnSpPr>
+          <p:nvPr/>
+        </p:nvCxnSpPr>
+        <p:spPr>
+          <a:xfrm flipV="1">
+            <a:off x="4835769" y="3236363"/>
+            <a:ext cx="1160261" cy="60752"/>
+          </a:xfrm>
+          <a:prstGeom prst="straightConnector1">
+            <a:avLst/>
+          </a:prstGeom>
+          <a:ln w="38100">
+            <a:solidFill>
+              <a:srgbClr val="00B050"/>
+            </a:solidFill>
+            <a:tailEnd type="triangle"/>
+          </a:ln>
+        </p:spPr>
+        <p:style>
+          <a:lnRef idx="1">
+            <a:schemeClr val="accent1"/>
+          </a:lnRef>
+          <a:fillRef idx="0">
+            <a:schemeClr val="accent1"/>
+          </a:fillRef>
+          <a:effectRef idx="0">
+            <a:schemeClr val="accent1"/>
+          </a:effectRef>
+          <a:fontRef idx="minor">
+            <a:schemeClr val="tx1"/>
+          </a:fontRef>
+        </p:style>
+      </p:cxnSp>
+      <p:cxnSp>
+        <p:nvCxnSpPr>
+          <p:cNvPr id="21" name="Straight Arrow Connector 20"/>
+          <p:cNvCxnSpPr>
+            <a:endCxn id="2" idx="3"/>
+          </p:cNvCxnSpPr>
+          <p:nvPr/>
+        </p:nvCxnSpPr>
+        <p:spPr>
+          <a:xfrm>
+            <a:off x="6012576" y="3236362"/>
+            <a:ext cx="2832485" cy="1"/>
+          </a:xfrm>
+          <a:prstGeom prst="straightConnector1">
+            <a:avLst/>
+          </a:prstGeom>
+          <a:ln w="38100">
+            <a:solidFill>
+              <a:srgbClr val="FF0000"/>
+            </a:solidFill>
+            <a:tailEnd type="triangle"/>
+          </a:ln>
+        </p:spPr>
+        <p:style>
+          <a:lnRef idx="1">
+            <a:schemeClr val="accent1"/>
+          </a:lnRef>
+          <a:fillRef idx="0">
+            <a:schemeClr val="accent1"/>
+          </a:fillRef>
+          <a:effectRef idx="0">
+            <a:schemeClr val="accent1"/>
+          </a:effectRef>
+          <a:fontRef idx="minor">
+            <a:schemeClr val="tx1"/>
+          </a:fontRef>
+        </p:style>
+      </p:cxnSp>
       <p:sp>
         <p:nvSpPr>
           <p:cNvPr id="23" name="TextBox 22"/>
@@ -11051,7 +11494,7 @@
         </p:nvSpPr>
         <p:spPr>
           <a:xfrm>
-            <a:off x="2004796" y="1116811"/>
+            <a:off x="1584199" y="562813"/>
             <a:ext cx="2556918" cy="923330"/>
           </a:xfrm>
           <a:prstGeom prst="rect">
@@ -11095,8 +11538,8 @@
         </p:nvSpPr>
         <p:spPr>
           <a:xfrm>
-            <a:off x="2631646" y="1925442"/>
-            <a:ext cx="3140861" cy="923330"/>
+            <a:off x="3102898" y="1831239"/>
+            <a:ext cx="2791918" cy="923330"/>
           </a:xfrm>
           <a:prstGeom prst="rect">
             <a:avLst/>
@@ -11119,7 +11562,7 @@
             <a:pPr algn="ctr"/>
             <a:r>
               <a:rPr lang="en-US" dirty="0"/>
-              <a:t>Run each employee ID through </a:t>
+              <a:t>Run each employee ID thru </a:t>
             </a:r>
           </a:p>
           <a:p>
@@ -11496,592 +11939,6 @@
           </a:p>
         </p:txBody>
       </p:sp>
-      <p:sp>
-        <p:nvSpPr>
-          <p:cNvPr id="31" name="Title 1"/>
-          <p:cNvSpPr txBox="1">
-            <a:spLocks/>
-          </p:cNvSpPr>
-          <p:nvPr/>
-        </p:nvSpPr>
-        <p:spPr>
-          <a:xfrm>
-            <a:off x="838200" y="347540"/>
-            <a:ext cx="10515600" cy="1325563"/>
-          </a:xfrm>
-          <a:prstGeom prst="rect">
-            <a:avLst/>
-          </a:prstGeom>
-        </p:spPr>
-        <p:txBody>
-          <a:bodyPr/>
-          <a:lstStyle>
-            <a:lvl1pPr algn="l" defTabSz="914400" rtl="0" eaLnBrk="1" latinLnBrk="0" hangingPunct="1">
-              <a:lnSpc>
-                <a:spcPct val="90000"/>
-              </a:lnSpc>
-              <a:spcBef>
-                <a:spcPct val="0"/>
-              </a:spcBef>
-              <a:buNone/>
-              <a:defRPr sz="4400" kern="1200">
-                <a:solidFill>
-                  <a:schemeClr val="tx1"/>
-                </a:solidFill>
-                <a:latin typeface="+mj-lt"/>
-                <a:ea typeface="+mj-ea"/>
-                <a:cs typeface="+mj-cs"/>
-              </a:defRPr>
-            </a:lvl1pPr>
-          </a:lstStyle>
-          <a:p>
-            <a:r>
-              <a:rPr lang="en-US" dirty="0"/>
-              <a:t>Join Implementation </a:t>
-            </a:r>
-          </a:p>
-        </p:txBody>
-      </p:sp>
-      <p:sp>
-        <p:nvSpPr>
-          <p:cNvPr id="33" name="Rounded Rectangle 14"/>
-          <p:cNvSpPr/>
-          <p:nvPr/>
-        </p:nvSpPr>
-        <p:spPr>
-          <a:xfrm>
-            <a:off x="5804345" y="1714549"/>
-            <a:ext cx="2849031" cy="2825452"/>
-          </a:xfrm>
-          <a:prstGeom prst="roundRect">
-            <a:avLst/>
-          </a:prstGeom>
-          <a:noFill/>
-        </p:spPr>
-        <p:style>
-          <a:lnRef idx="2">
-            <a:schemeClr val="accent1">
-              <a:shade val="50000"/>
-            </a:schemeClr>
-          </a:lnRef>
-          <a:fillRef idx="1">
-            <a:schemeClr val="accent1"/>
-          </a:fillRef>
-          <a:effectRef idx="0">
-            <a:schemeClr val="accent1"/>
-          </a:effectRef>
-          <a:fontRef idx="minor">
-            <a:schemeClr val="lt1"/>
-          </a:fontRef>
-        </p:style>
-        <p:txBody>
-          <a:bodyPr rtlCol="0" anchor="ctr"/>
-          <a:lstStyle/>
-          <a:p>
-            <a:pPr algn="ctr"/>
-            <a:endParaRPr lang="en-US"/>
-          </a:p>
-        </p:txBody>
-      </p:sp>
-      <p:sp>
-        <p:nvSpPr>
-          <p:cNvPr id="37" name="Rectangle 36"/>
-          <p:cNvSpPr/>
-          <p:nvPr/>
-        </p:nvSpPr>
-        <p:spPr>
-          <a:xfrm>
-            <a:off x="6005805" y="1956476"/>
-            <a:ext cx="711375" cy="688161"/>
-          </a:xfrm>
-          <a:prstGeom prst="rect">
-            <a:avLst/>
-          </a:prstGeom>
-        </p:spPr>
-        <p:style>
-          <a:lnRef idx="2">
-            <a:schemeClr val="accent1">
-              <a:shade val="50000"/>
-            </a:schemeClr>
-          </a:lnRef>
-          <a:fillRef idx="1">
-            <a:schemeClr val="accent1"/>
-          </a:fillRef>
-          <a:effectRef idx="0">
-            <a:schemeClr val="accent1"/>
-          </a:effectRef>
-          <a:fontRef idx="minor">
-            <a:schemeClr val="lt1"/>
-          </a:fontRef>
-        </p:style>
-        <p:txBody>
-          <a:bodyPr rtlCol="0" anchor="ctr"/>
-          <a:lstStyle/>
-          <a:p>
-            <a:pPr algn="ctr"/>
-            <a:r>
-              <a:rPr lang="en-US" dirty="0"/>
-              <a:t>H</a:t>
-            </a:r>
-            <a:r>
-              <a:rPr lang="en-US" sz="1200" dirty="0"/>
-              <a:t>0,0</a:t>
-            </a:r>
-          </a:p>
-        </p:txBody>
-      </p:sp>
-      <p:sp>
-        <p:nvSpPr>
-          <p:cNvPr id="38" name="Rectangle 37"/>
-          <p:cNvSpPr/>
-          <p:nvPr/>
-        </p:nvSpPr>
-        <p:spPr>
-          <a:xfrm>
-            <a:off x="7757089" y="1956476"/>
-            <a:ext cx="711375" cy="688161"/>
-          </a:xfrm>
-          <a:prstGeom prst="rect">
-            <a:avLst/>
-          </a:prstGeom>
-        </p:spPr>
-        <p:style>
-          <a:lnRef idx="2">
-            <a:schemeClr val="accent1">
-              <a:shade val="50000"/>
-            </a:schemeClr>
-          </a:lnRef>
-          <a:fillRef idx="1">
-            <a:schemeClr val="accent1"/>
-          </a:fillRef>
-          <a:effectRef idx="0">
-            <a:schemeClr val="accent1"/>
-          </a:effectRef>
-          <a:fontRef idx="minor">
-            <a:schemeClr val="lt1"/>
-          </a:fontRef>
-        </p:style>
-        <p:txBody>
-          <a:bodyPr rtlCol="0" anchor="ctr"/>
-          <a:lstStyle/>
-          <a:p>
-            <a:pPr algn="ctr"/>
-            <a:r>
-              <a:rPr lang="en-US" dirty="0"/>
-              <a:t>H</a:t>
-            </a:r>
-            <a:r>
-              <a:rPr lang="en-US" sz="1200" dirty="0"/>
-              <a:t>0,n</a:t>
-            </a:r>
-          </a:p>
-        </p:txBody>
-      </p:sp>
-      <p:sp>
-        <p:nvSpPr>
-          <p:cNvPr id="39" name="Rectangle 38"/>
-          <p:cNvSpPr/>
-          <p:nvPr/>
-        </p:nvSpPr>
-        <p:spPr>
-          <a:xfrm>
-            <a:off x="6017549" y="2791419"/>
-            <a:ext cx="711375" cy="688161"/>
-          </a:xfrm>
-          <a:prstGeom prst="rect">
-            <a:avLst/>
-          </a:prstGeom>
-        </p:spPr>
-        <p:style>
-          <a:lnRef idx="2">
-            <a:schemeClr val="accent1">
-              <a:shade val="50000"/>
-            </a:schemeClr>
-          </a:lnRef>
-          <a:fillRef idx="1">
-            <a:schemeClr val="accent1"/>
-          </a:fillRef>
-          <a:effectRef idx="0">
-            <a:schemeClr val="accent1"/>
-          </a:effectRef>
-          <a:fontRef idx="minor">
-            <a:schemeClr val="lt1"/>
-          </a:fontRef>
-        </p:style>
-        <p:txBody>
-          <a:bodyPr rtlCol="0" anchor="ctr"/>
-          <a:lstStyle/>
-          <a:p>
-            <a:pPr algn="ctr"/>
-            <a:r>
-              <a:rPr lang="en-US" dirty="0"/>
-              <a:t>H</a:t>
-            </a:r>
-            <a:r>
-              <a:rPr lang="en-US" sz="1200" dirty="0"/>
-              <a:t>0,1</a:t>
-            </a:r>
-          </a:p>
-        </p:txBody>
-      </p:sp>
-      <p:sp>
-        <p:nvSpPr>
-          <p:cNvPr id="40" name="Rectangle 39"/>
-          <p:cNvSpPr/>
-          <p:nvPr/>
-        </p:nvSpPr>
-        <p:spPr>
-          <a:xfrm>
-            <a:off x="6881446" y="2783194"/>
-            <a:ext cx="711375" cy="688161"/>
-          </a:xfrm>
-          <a:prstGeom prst="rect">
-            <a:avLst/>
-          </a:prstGeom>
-        </p:spPr>
-        <p:style>
-          <a:lnRef idx="2">
-            <a:schemeClr val="accent1">
-              <a:shade val="50000"/>
-            </a:schemeClr>
-          </a:lnRef>
-          <a:fillRef idx="1">
-            <a:schemeClr val="accent1"/>
-          </a:fillRef>
-          <a:effectRef idx="0">
-            <a:schemeClr val="accent1"/>
-          </a:effectRef>
-          <a:fontRef idx="minor">
-            <a:schemeClr val="lt1"/>
-          </a:fontRef>
-        </p:style>
-        <p:txBody>
-          <a:bodyPr rtlCol="0" anchor="ctr"/>
-          <a:lstStyle/>
-          <a:p>
-            <a:pPr algn="ctr"/>
-            <a:r>
-              <a:rPr lang="en-US" dirty="0"/>
-              <a:t>H</a:t>
-            </a:r>
-            <a:r>
-              <a:rPr lang="en-US" sz="1200" dirty="0"/>
-              <a:t>1,1</a:t>
-            </a:r>
-          </a:p>
-        </p:txBody>
-      </p:sp>
-      <p:sp>
-        <p:nvSpPr>
-          <p:cNvPr id="41" name="Rectangle 40"/>
-          <p:cNvSpPr/>
-          <p:nvPr/>
-        </p:nvSpPr>
-        <p:spPr>
-          <a:xfrm>
-            <a:off x="7757090" y="2791419"/>
-            <a:ext cx="711375" cy="688161"/>
-          </a:xfrm>
-          <a:prstGeom prst="rect">
-            <a:avLst/>
-          </a:prstGeom>
-        </p:spPr>
-        <p:style>
-          <a:lnRef idx="2">
-            <a:schemeClr val="accent1">
-              <a:shade val="50000"/>
-            </a:schemeClr>
-          </a:lnRef>
-          <a:fillRef idx="1">
-            <a:schemeClr val="accent1"/>
-          </a:fillRef>
-          <a:effectRef idx="0">
-            <a:schemeClr val="accent1"/>
-          </a:effectRef>
-          <a:fontRef idx="minor">
-            <a:schemeClr val="lt1"/>
-          </a:fontRef>
-        </p:style>
-        <p:txBody>
-          <a:bodyPr rtlCol="0" anchor="ctr"/>
-          <a:lstStyle/>
-          <a:p>
-            <a:pPr algn="ctr"/>
-            <a:r>
-              <a:rPr lang="en-US" dirty="0"/>
-              <a:t>H</a:t>
-            </a:r>
-            <a:r>
-              <a:rPr lang="en-US" sz="1200" dirty="0"/>
-              <a:t>1,1</a:t>
-            </a:r>
-          </a:p>
-        </p:txBody>
-      </p:sp>
-      <p:sp>
-        <p:nvSpPr>
-          <p:cNvPr id="42" name="Rectangle 41"/>
-          <p:cNvSpPr/>
-          <p:nvPr/>
-        </p:nvSpPr>
-        <p:spPr>
-          <a:xfrm>
-            <a:off x="6017549" y="3620896"/>
-            <a:ext cx="711375" cy="688161"/>
-          </a:xfrm>
-          <a:prstGeom prst="rect">
-            <a:avLst/>
-          </a:prstGeom>
-        </p:spPr>
-        <p:style>
-          <a:lnRef idx="2">
-            <a:schemeClr val="accent1">
-              <a:shade val="50000"/>
-            </a:schemeClr>
-          </a:lnRef>
-          <a:fillRef idx="1">
-            <a:schemeClr val="accent1"/>
-          </a:fillRef>
-          <a:effectRef idx="0">
-            <a:schemeClr val="accent1"/>
-          </a:effectRef>
-          <a:fontRef idx="minor">
-            <a:schemeClr val="lt1"/>
-          </a:fontRef>
-        </p:style>
-        <p:txBody>
-          <a:bodyPr rtlCol="0" anchor="ctr"/>
-          <a:lstStyle/>
-          <a:p>
-            <a:pPr algn="ctr"/>
-            <a:r>
-              <a:rPr lang="en-US" dirty="0" err="1"/>
-              <a:t>H</a:t>
-            </a:r>
-            <a:r>
-              <a:rPr lang="en-US" sz="1200" dirty="0" err="1"/>
-              <a:t>t,n</a:t>
-            </a:r>
-            <a:endParaRPr lang="en-US" sz="1200" dirty="0"/>
-          </a:p>
-        </p:txBody>
-      </p:sp>
-      <p:sp>
-        <p:nvSpPr>
-          <p:cNvPr id="43" name="Rectangle 42"/>
-          <p:cNvSpPr/>
-          <p:nvPr/>
-        </p:nvSpPr>
-        <p:spPr>
-          <a:xfrm>
-            <a:off x="6887320" y="3620896"/>
-            <a:ext cx="711375" cy="688161"/>
-          </a:xfrm>
-          <a:prstGeom prst="rect">
-            <a:avLst/>
-          </a:prstGeom>
-        </p:spPr>
-        <p:style>
-          <a:lnRef idx="2">
-            <a:schemeClr val="accent1">
-              <a:shade val="50000"/>
-            </a:schemeClr>
-          </a:lnRef>
-          <a:fillRef idx="1">
-            <a:schemeClr val="accent1"/>
-          </a:fillRef>
-          <a:effectRef idx="0">
-            <a:schemeClr val="accent1"/>
-          </a:effectRef>
-          <a:fontRef idx="minor">
-            <a:schemeClr val="lt1"/>
-          </a:fontRef>
-        </p:style>
-        <p:txBody>
-          <a:bodyPr rtlCol="0" anchor="ctr"/>
-          <a:lstStyle/>
-          <a:p>
-            <a:pPr algn="ctr"/>
-            <a:r>
-              <a:rPr lang="en-US" dirty="0"/>
-              <a:t>H</a:t>
-            </a:r>
-            <a:r>
-              <a:rPr lang="en-US" sz="1200" dirty="0"/>
-              <a:t>1,n</a:t>
-            </a:r>
-          </a:p>
-        </p:txBody>
-      </p:sp>
-      <p:sp>
-        <p:nvSpPr>
-          <p:cNvPr id="44" name="Rectangle 43"/>
-          <p:cNvSpPr/>
-          <p:nvPr/>
-        </p:nvSpPr>
-        <p:spPr>
-          <a:xfrm>
-            <a:off x="7757091" y="3620896"/>
-            <a:ext cx="711375" cy="688161"/>
-          </a:xfrm>
-          <a:prstGeom prst="rect">
-            <a:avLst/>
-          </a:prstGeom>
-        </p:spPr>
-        <p:style>
-          <a:lnRef idx="2">
-            <a:schemeClr val="accent1">
-              <a:shade val="50000"/>
-            </a:schemeClr>
-          </a:lnRef>
-          <a:fillRef idx="1">
-            <a:schemeClr val="accent1"/>
-          </a:fillRef>
-          <a:effectRef idx="0">
-            <a:schemeClr val="accent1"/>
-          </a:effectRef>
-          <a:fontRef idx="minor">
-            <a:schemeClr val="lt1"/>
-          </a:fontRef>
-        </p:style>
-        <p:txBody>
-          <a:bodyPr rtlCol="0" anchor="ctr"/>
-          <a:lstStyle/>
-          <a:p>
-            <a:pPr algn="ctr"/>
-            <a:r>
-              <a:rPr lang="en-US" dirty="0" err="1"/>
-              <a:t>H</a:t>
-            </a:r>
-            <a:r>
-              <a:rPr lang="en-US" sz="1200" dirty="0" err="1"/>
-              <a:t>t,n</a:t>
-            </a:r>
-            <a:endParaRPr lang="en-US" sz="1200" dirty="0"/>
-          </a:p>
-        </p:txBody>
-      </p:sp>
-      <p:sp>
-        <p:nvSpPr>
-          <p:cNvPr id="45" name="Rectangle 44"/>
-          <p:cNvSpPr/>
-          <p:nvPr/>
-        </p:nvSpPr>
-        <p:spPr>
-          <a:xfrm>
-            <a:off x="6881447" y="1957509"/>
-            <a:ext cx="711375" cy="688161"/>
-          </a:xfrm>
-          <a:prstGeom prst="rect">
-            <a:avLst/>
-          </a:prstGeom>
-        </p:spPr>
-        <p:style>
-          <a:lnRef idx="2">
-            <a:schemeClr val="accent1">
-              <a:shade val="50000"/>
-            </a:schemeClr>
-          </a:lnRef>
-          <a:fillRef idx="1">
-            <a:schemeClr val="accent1"/>
-          </a:fillRef>
-          <a:effectRef idx="0">
-            <a:schemeClr val="accent1"/>
-          </a:effectRef>
-          <a:fontRef idx="minor">
-            <a:schemeClr val="lt1"/>
-          </a:fontRef>
-        </p:style>
-        <p:txBody>
-          <a:bodyPr rtlCol="0" anchor="ctr"/>
-          <a:lstStyle/>
-          <a:p>
-            <a:pPr algn="ctr"/>
-            <a:r>
-              <a:rPr lang="en-US" dirty="0"/>
-              <a:t>H</a:t>
-            </a:r>
-            <a:r>
-              <a:rPr lang="en-US" sz="1200" dirty="0"/>
-              <a:t>0,1</a:t>
-            </a:r>
-          </a:p>
-        </p:txBody>
-      </p:sp>
-      <p:cxnSp>
-        <p:nvCxnSpPr>
-          <p:cNvPr id="20" name="Straight Arrow Connector 19"/>
-          <p:cNvCxnSpPr>
-            <a:cxnSpLocks/>
-          </p:cNvCxnSpPr>
-          <p:nvPr/>
-        </p:nvCxnSpPr>
-        <p:spPr>
-          <a:xfrm flipV="1">
-            <a:off x="4765431" y="1673103"/>
-            <a:ext cx="1594430" cy="1654639"/>
-          </a:xfrm>
-          <a:prstGeom prst="straightConnector1">
-            <a:avLst/>
-          </a:prstGeom>
-          <a:ln w="38100">
-            <a:solidFill>
-              <a:srgbClr val="00B050"/>
-            </a:solidFill>
-            <a:tailEnd type="triangle"/>
-          </a:ln>
-        </p:spPr>
-        <p:style>
-          <a:lnRef idx="1">
-            <a:schemeClr val="accent1"/>
-          </a:lnRef>
-          <a:fillRef idx="0">
-            <a:schemeClr val="accent1"/>
-          </a:fillRef>
-          <a:effectRef idx="0">
-            <a:schemeClr val="accent1"/>
-          </a:effectRef>
-          <a:fontRef idx="minor">
-            <a:schemeClr val="tx1"/>
-          </a:fontRef>
-        </p:style>
-      </p:cxnSp>
-      <p:cxnSp>
-        <p:nvCxnSpPr>
-          <p:cNvPr id="21" name="Straight Arrow Connector 20"/>
-          <p:cNvCxnSpPr/>
-          <p:nvPr/>
-        </p:nvCxnSpPr>
-        <p:spPr>
-          <a:xfrm>
-            <a:off x="6352455" y="1714549"/>
-            <a:ext cx="20781" cy="2720292"/>
-          </a:xfrm>
-          <a:prstGeom prst="straightConnector1">
-            <a:avLst/>
-          </a:prstGeom>
-          <a:ln w="38100">
-            <a:solidFill>
-              <a:srgbClr val="FF0000"/>
-            </a:solidFill>
-            <a:tailEnd type="triangle"/>
-          </a:ln>
-        </p:spPr>
-        <p:style>
-          <a:lnRef idx="1">
-            <a:schemeClr val="accent1"/>
-          </a:lnRef>
-          <a:fillRef idx="0">
-            <a:schemeClr val="accent1"/>
-          </a:fillRef>
-          <a:effectRef idx="0">
-            <a:schemeClr val="accent1"/>
-          </a:effectRef>
-          <a:fontRef idx="minor">
-            <a:schemeClr val="tx1"/>
-          </a:fontRef>
-        </p:style>
-      </p:cxnSp>
     </p:spTree>
     <p:extLst>
       <p:ext uri="{BB962C8B-B14F-4D97-AF65-F5344CB8AC3E}">
@@ -12367,26 +12224,35 @@
                                   </p:childTnLst>
                                 </p:cTn>
                               </p:par>
-                            </p:childTnLst>
-                          </p:cTn>
-                        </p:par>
-                      </p:childTnLst>
-                    </p:cTn>
-                  </p:par>
-                  <p:par>
-                    <p:cTn id="25" fill="hold">
-                      <p:stCondLst>
-                        <p:cond delay="indefinite"/>
-                      </p:stCondLst>
-                      <p:childTnLst>
-                        <p:par>
-                          <p:cTn id="26" fill="hold">
-                            <p:stCondLst>
-                              <p:cond delay="0"/>
-                            </p:stCondLst>
-                            <p:childTnLst>
                               <p:par>
-                                <p:cTn id="27" presetID="1" presetClass="entr" presetSubtype="0" fill="hold" nodeType="clickEffect">
+                                <p:cTn id="25" presetID="1" presetClass="entr" presetSubtype="0" fill="hold" grpId="0" nodeType="withEffect">
+                                  <p:stCondLst>
+                                    <p:cond delay="0"/>
+                                  </p:stCondLst>
+                                  <p:childTnLst>
+                                    <p:set>
+                                      <p:cBhvr>
+                                        <p:cTn id="26" dur="1" fill="hold">
+                                          <p:stCondLst>
+                                            <p:cond delay="0"/>
+                                          </p:stCondLst>
+                                        </p:cTn>
+                                        <p:tgtEl>
+                                          <p:spTgt spid="3"/>
+                                        </p:tgtEl>
+                                        <p:attrNameLst>
+                                          <p:attrName>style.visibility</p:attrName>
+                                        </p:attrNameLst>
+                                      </p:cBhvr>
+                                      <p:to>
+                                        <p:strVal val="visible"/>
+                                      </p:to>
+                                    </p:set>
+                                  </p:childTnLst>
+                                </p:cTn>
+                              </p:par>
+                              <p:par>
+                                <p:cTn id="27" presetID="1" presetClass="entr" presetSubtype="0" fill="hold" grpId="0" nodeType="withEffect">
                                   <p:stCondLst>
                                     <p:cond delay="0"/>
                                   </p:stCondLst>
@@ -12399,7 +12265,7 @@
                                           </p:stCondLst>
                                         </p:cTn>
                                         <p:tgtEl>
-                                          <p:spTgt spid="21"/>
+                                          <p:spTgt spid="11"/>
                                         </p:tgtEl>
                                         <p:attrNameLst>
                                           <p:attrName>style.visibility</p:attrName>
@@ -12426,7 +12292,7 @@
                                           </p:stCondLst>
                                         </p:cTn>
                                         <p:tgtEl>
-                                          <p:spTgt spid="26"/>
+                                          <p:spTgt spid="4"/>
                                         </p:tgtEl>
                                         <p:attrNameLst>
                                           <p:attrName>style.visibility</p:attrName>
@@ -12439,26 +12305,35 @@
                                   </p:childTnLst>
                                 </p:cTn>
                               </p:par>
-                            </p:childTnLst>
-                          </p:cTn>
-                        </p:par>
-                      </p:childTnLst>
-                    </p:cTn>
-                  </p:par>
-                  <p:par>
-                    <p:cTn id="31" fill="hold">
-                      <p:stCondLst>
-                        <p:cond delay="indefinite"/>
-                      </p:stCondLst>
-                      <p:childTnLst>
-                        <p:par>
-                          <p:cTn id="32" fill="hold">
-                            <p:stCondLst>
-                              <p:cond delay="0"/>
-                            </p:stCondLst>
-                            <p:childTnLst>
                               <p:par>
-                                <p:cTn id="33" presetID="1" presetClass="entr" presetSubtype="0" fill="hold" grpId="0" nodeType="clickEffect">
+                                <p:cTn id="31" presetID="1" presetClass="entr" presetSubtype="0" fill="hold" grpId="0" nodeType="withEffect">
+                                  <p:stCondLst>
+                                    <p:cond delay="0"/>
+                                  </p:stCondLst>
+                                  <p:childTnLst>
+                                    <p:set>
+                                      <p:cBhvr>
+                                        <p:cTn id="32" dur="1" fill="hold">
+                                          <p:stCondLst>
+                                            <p:cond delay="0"/>
+                                          </p:stCondLst>
+                                        </p:cTn>
+                                        <p:tgtEl>
+                                          <p:spTgt spid="7"/>
+                                        </p:tgtEl>
+                                        <p:attrNameLst>
+                                          <p:attrName>style.visibility</p:attrName>
+                                        </p:attrNameLst>
+                                      </p:cBhvr>
+                                      <p:to>
+                                        <p:strVal val="visible"/>
+                                      </p:to>
+                                    </p:set>
+                                  </p:childTnLst>
+                                </p:cTn>
+                              </p:par>
+                              <p:par>
+                                <p:cTn id="33" presetID="1" presetClass="entr" presetSubtype="0" fill="hold" grpId="0" nodeType="withEffect">
                                   <p:stCondLst>
                                     <p:cond delay="0"/>
                                   </p:stCondLst>
@@ -12471,7 +12346,7 @@
                                           </p:stCondLst>
                                         </p:cTn>
                                         <p:tgtEl>
-                                          <p:spTgt spid="35"/>
+                                          <p:spTgt spid="6"/>
                                         </p:tgtEl>
                                         <p:attrNameLst>
                                           <p:attrName>style.visibility</p:attrName>
@@ -12498,7 +12373,7 @@
                                           </p:stCondLst>
                                         </p:cTn>
                                         <p:tgtEl>
-                                          <p:spTgt spid="36"/>
+                                          <p:spTgt spid="5"/>
                                         </p:tgtEl>
                                         <p:attrNameLst>
                                           <p:attrName>style.visibility</p:attrName>
@@ -12525,7 +12400,7 @@
                                           </p:stCondLst>
                                         </p:cTn>
                                         <p:tgtEl>
-                                          <p:spTgt spid="30"/>
+                                          <p:spTgt spid="8"/>
                                         </p:tgtEl>
                                         <p:attrNameLst>
                                           <p:attrName>style.visibility</p:attrName>
@@ -12552,7 +12427,7 @@
                                           </p:stCondLst>
                                         </p:cTn>
                                         <p:tgtEl>
-                                          <p:spTgt spid="28"/>
+                                          <p:spTgt spid="9"/>
                                         </p:tgtEl>
                                         <p:attrNameLst>
                                           <p:attrName>style.visibility</p:attrName>
@@ -12566,7 +12441,7 @@
                                 </p:cTn>
                               </p:par>
                               <p:par>
-                                <p:cTn id="41" presetID="1" presetClass="entr" presetSubtype="0" fill="hold" nodeType="withEffect">
+                                <p:cTn id="41" presetID="1" presetClass="entr" presetSubtype="0" fill="hold" grpId="0" nodeType="withEffect">
                                   <p:stCondLst>
                                     <p:cond delay="0"/>
                                   </p:stCondLst>
@@ -12579,7 +12454,7 @@
                                           </p:stCondLst>
                                         </p:cTn>
                                         <p:tgtEl>
-                                          <p:spTgt spid="34"/>
+                                          <p:spTgt spid="10"/>
                                         </p:tgtEl>
                                         <p:attrNameLst>
                                           <p:attrName>style.visibility</p:attrName>
@@ -12593,7 +12468,7 @@
                                 </p:cTn>
                               </p:par>
                               <p:par>
-                                <p:cTn id="43" presetID="1" presetClass="entr" presetSubtype="0" fill="hold" nodeType="withEffect">
+                                <p:cTn id="43" presetID="1" presetClass="entr" presetSubtype="0" fill="hold" grpId="0" nodeType="withEffect">
                                   <p:stCondLst>
                                     <p:cond delay="0"/>
                                   </p:stCondLst>
@@ -12606,34 +12481,7 @@
                                           </p:stCondLst>
                                         </p:cTn>
                                         <p:tgtEl>
-                                          <p:spTgt spid="32"/>
-                                        </p:tgtEl>
-                                        <p:attrNameLst>
-                                          <p:attrName>style.visibility</p:attrName>
-                                        </p:attrNameLst>
-                                      </p:cBhvr>
-                                      <p:to>
-                                        <p:strVal val="visible"/>
-                                      </p:to>
-                                    </p:set>
-                                  </p:childTnLst>
-                                </p:cTn>
-                              </p:par>
-                              <p:par>
-                                <p:cTn id="45" presetID="1" presetClass="entr" presetSubtype="0" fill="hold" grpId="0" nodeType="withEffect">
-                                  <p:stCondLst>
-                                    <p:cond delay="0"/>
-                                  </p:stCondLst>
-                                  <p:childTnLst>
-                                    <p:set>
-                                      <p:cBhvr>
-                                        <p:cTn id="46" dur="1" fill="hold">
-                                          <p:stCondLst>
-                                            <p:cond delay="0"/>
-                                          </p:stCondLst>
-                                        </p:cTn>
-                                        <p:tgtEl>
-                                          <p:spTgt spid="29"/>
+                                          <p:spTgt spid="2"/>
                                         </p:tgtEl>
                                         <p:attrNameLst>
                                           <p:attrName>style.visibility</p:attrName>
@@ -12653,32 +12501,32 @@
                     </p:cTn>
                   </p:par>
                   <p:par>
-                    <p:cTn id="47" fill="hold">
+                    <p:cTn id="45" fill="hold">
                       <p:stCondLst>
                         <p:cond delay="indefinite"/>
                       </p:stCondLst>
                       <p:childTnLst>
                         <p:par>
-                          <p:cTn id="48" fill="hold">
+                          <p:cTn id="46" fill="hold">
                             <p:stCondLst>
                               <p:cond delay="0"/>
                             </p:stCondLst>
                             <p:childTnLst>
                               <p:par>
-                                <p:cTn id="49" presetID="1" presetClass="entr" presetSubtype="0" fill="hold" grpId="0" nodeType="clickEffect">
+                                <p:cTn id="47" presetID="1" presetClass="entr" presetSubtype="0" fill="hold" nodeType="clickEffect">
                                   <p:stCondLst>
                                     <p:cond delay="0"/>
                                   </p:stCondLst>
                                   <p:childTnLst>
                                     <p:set>
                                       <p:cBhvr>
-                                        <p:cTn id="50" dur="1" fill="hold">
+                                        <p:cTn id="48" dur="1" fill="hold">
                                           <p:stCondLst>
                                             <p:cond delay="0"/>
                                           </p:stCondLst>
                                         </p:cTn>
                                         <p:tgtEl>
-                                          <p:spTgt spid="37"/>
+                                          <p:spTgt spid="21"/>
                                         </p:tgtEl>
                                         <p:attrNameLst>
                                           <p:attrName>style.visibility</p:attrName>
@@ -12692,20 +12540,20 @@
                                 </p:cTn>
                               </p:par>
                               <p:par>
-                                <p:cTn id="51" presetID="1" presetClass="entr" presetSubtype="0" fill="hold" grpId="0" nodeType="withEffect">
+                                <p:cTn id="49" presetID="1" presetClass="entr" presetSubtype="0" fill="hold" grpId="0" nodeType="withEffect">
                                   <p:stCondLst>
                                     <p:cond delay="0"/>
                                   </p:stCondLst>
                                   <p:childTnLst>
                                     <p:set>
                                       <p:cBhvr>
-                                        <p:cTn id="52" dur="1" fill="hold">
+                                        <p:cTn id="50" dur="1" fill="hold">
                                           <p:stCondLst>
                                             <p:cond delay="0"/>
                                           </p:stCondLst>
                                         </p:cTn>
                                         <p:tgtEl>
-                                          <p:spTgt spid="45"/>
+                                          <p:spTgt spid="26"/>
                                         </p:tgtEl>
                                         <p:attrNameLst>
                                           <p:attrName>style.visibility</p:attrName>
@@ -12718,8 +12566,26 @@
                                   </p:childTnLst>
                                 </p:cTn>
                               </p:par>
+                            </p:childTnLst>
+                          </p:cTn>
+                        </p:par>
+                      </p:childTnLst>
+                    </p:cTn>
+                  </p:par>
+                  <p:par>
+                    <p:cTn id="51" fill="hold">
+                      <p:stCondLst>
+                        <p:cond delay="indefinite"/>
+                      </p:stCondLst>
+                      <p:childTnLst>
+                        <p:par>
+                          <p:cTn id="52" fill="hold">
+                            <p:stCondLst>
+                              <p:cond delay="0"/>
+                            </p:stCondLst>
+                            <p:childTnLst>
                               <p:par>
-                                <p:cTn id="53" presetID="1" presetClass="entr" presetSubtype="0" fill="hold" grpId="0" nodeType="withEffect">
+                                <p:cTn id="53" presetID="1" presetClass="entr" presetSubtype="0" fill="hold" grpId="0" nodeType="clickEffect">
                                   <p:stCondLst>
                                     <p:cond delay="0"/>
                                   </p:stCondLst>
@@ -12732,7 +12598,7 @@
                                           </p:stCondLst>
                                         </p:cTn>
                                         <p:tgtEl>
-                                          <p:spTgt spid="38"/>
+                                          <p:spTgt spid="35"/>
                                         </p:tgtEl>
                                         <p:attrNameLst>
                                           <p:attrName>style.visibility</p:attrName>
@@ -12759,7 +12625,7 @@
                                           </p:stCondLst>
                                         </p:cTn>
                                         <p:tgtEl>
-                                          <p:spTgt spid="41"/>
+                                          <p:spTgt spid="36"/>
                                         </p:tgtEl>
                                         <p:attrNameLst>
                                           <p:attrName>style.visibility</p:attrName>
@@ -12786,7 +12652,7 @@
                                           </p:stCondLst>
                                         </p:cTn>
                                         <p:tgtEl>
-                                          <p:spTgt spid="40"/>
+                                          <p:spTgt spid="30"/>
                                         </p:tgtEl>
                                         <p:attrNameLst>
                                           <p:attrName>style.visibility</p:attrName>
@@ -12813,7 +12679,7 @@
                                           </p:stCondLst>
                                         </p:cTn>
                                         <p:tgtEl>
-                                          <p:spTgt spid="39"/>
+                                          <p:spTgt spid="28"/>
                                         </p:tgtEl>
                                         <p:attrNameLst>
                                           <p:attrName>style.visibility</p:attrName>
@@ -12827,7 +12693,7 @@
                                 </p:cTn>
                               </p:par>
                               <p:par>
-                                <p:cTn id="61" presetID="1" presetClass="entr" presetSubtype="0" fill="hold" grpId="0" nodeType="withEffect">
+                                <p:cTn id="61" presetID="1" presetClass="entr" presetSubtype="0" fill="hold" nodeType="withEffect">
                                   <p:stCondLst>
                                     <p:cond delay="0"/>
                                   </p:stCondLst>
@@ -12840,7 +12706,7 @@
                                           </p:stCondLst>
                                         </p:cTn>
                                         <p:tgtEl>
-                                          <p:spTgt spid="42"/>
+                                          <p:spTgt spid="34"/>
                                         </p:tgtEl>
                                         <p:attrNameLst>
                                           <p:attrName>style.visibility</p:attrName>
@@ -12854,7 +12720,7 @@
                                 </p:cTn>
                               </p:par>
                               <p:par>
-                                <p:cTn id="63" presetID="1" presetClass="entr" presetSubtype="0" fill="hold" grpId="0" nodeType="withEffect">
+                                <p:cTn id="63" presetID="1" presetClass="entr" presetSubtype="0" fill="hold" nodeType="withEffect">
                                   <p:stCondLst>
                                     <p:cond delay="0"/>
                                   </p:stCondLst>
@@ -12867,7 +12733,7 @@
                                           </p:stCondLst>
                                         </p:cTn>
                                         <p:tgtEl>
-                                          <p:spTgt spid="43"/>
+                                          <p:spTgt spid="32"/>
                                         </p:tgtEl>
                                         <p:attrNameLst>
                                           <p:attrName>style.visibility</p:attrName>
@@ -12894,34 +12760,7 @@
                                           </p:stCondLst>
                                         </p:cTn>
                                         <p:tgtEl>
-                                          <p:spTgt spid="44"/>
-                                        </p:tgtEl>
-                                        <p:attrNameLst>
-                                          <p:attrName>style.visibility</p:attrName>
-                                        </p:attrNameLst>
-                                      </p:cBhvr>
-                                      <p:to>
-                                        <p:strVal val="visible"/>
-                                      </p:to>
-                                    </p:set>
-                                  </p:childTnLst>
-                                </p:cTn>
-                              </p:par>
-                              <p:par>
-                                <p:cTn id="67" presetID="1" presetClass="entr" presetSubtype="0" fill="hold" grpId="0" nodeType="withEffect">
-                                  <p:stCondLst>
-                                    <p:cond delay="0"/>
-                                  </p:stCondLst>
-                                  <p:childTnLst>
-                                    <p:set>
-                                      <p:cBhvr>
-                                        <p:cTn id="68" dur="1" fill="hold">
-                                          <p:stCondLst>
-                                            <p:cond delay="0"/>
-                                          </p:stCondLst>
-                                        </p:cTn>
-                                        <p:tgtEl>
-                                          <p:spTgt spid="33"/>
+                                          <p:spTgt spid="29"/>
                                         </p:tgtEl>
                                         <p:attrNameLst>
                                           <p:attrName>style.visibility</p:attrName>
@@ -12962,6 +12801,16 @@
       </p:par>
     </p:tnLst>
     <p:bldLst>
+      <p:bldP spid="2" grpId="0" animBg="1"/>
+      <p:bldP spid="3" grpId="0" animBg="1"/>
+      <p:bldP spid="4" grpId="0" animBg="1"/>
+      <p:bldP spid="5" grpId="0" animBg="1"/>
+      <p:bldP spid="6" grpId="0" animBg="1"/>
+      <p:bldP spid="7" grpId="0" animBg="1"/>
+      <p:bldP spid="8" grpId="0" animBg="1"/>
+      <p:bldP spid="9" grpId="0" animBg="1"/>
+      <p:bldP spid="10" grpId="0" animBg="1"/>
+      <p:bldP spid="11" grpId="0" animBg="1"/>
       <p:bldP spid="14" grpId="0" animBg="1"/>
       <p:bldP spid="15" grpId="0" animBg="1"/>
       <p:bldP spid="16" grpId="0" animBg="1"/>
@@ -12974,22 +12823,12 @@
       <p:bldP spid="30" grpId="0" animBg="1"/>
       <p:bldP spid="35" grpId="0" animBg="1"/>
       <p:bldP spid="36" grpId="0"/>
-      <p:bldP spid="33" grpId="0" animBg="1"/>
-      <p:bldP spid="37" grpId="0" animBg="1"/>
-      <p:bldP spid="38" grpId="0" animBg="1"/>
-      <p:bldP spid="39" grpId="0" animBg="1"/>
-      <p:bldP spid="40" grpId="0" animBg="1"/>
-      <p:bldP spid="41" grpId="0" animBg="1"/>
-      <p:bldP spid="42" grpId="0" animBg="1"/>
-      <p:bldP spid="43" grpId="0" animBg="1"/>
-      <p:bldP spid="44" grpId="0" animBg="1"/>
-      <p:bldP spid="45" grpId="0" animBg="1"/>
     </p:bldLst>
   </p:timing>
 </p:sld>
 </file>
 
-<file path=ppt/slides/slide7.xml><?xml version="1.0" encoding="utf-8"?>
+<file path=ppt/slides/slide6.xml><?xml version="1.0" encoding="utf-8"?>
 <p:sld xmlns:a="http://schemas.openxmlformats.org/drawingml/2006/main" xmlns:r="http://schemas.openxmlformats.org/officeDocument/2006/relationships" xmlns:p="http://schemas.openxmlformats.org/presentationml/2006/main">
   <p:cSld>
     <p:spTree>
@@ -13072,7 +12911,7 @@
 </p:sld>
 </file>
 
-<file path=ppt/slides/slide8.xml><?xml version="1.0" encoding="utf-8"?>
+<file path=ppt/slides/slide7.xml><?xml version="1.0" encoding="utf-8"?>
 <p:sld xmlns:a="http://schemas.openxmlformats.org/drawingml/2006/main" xmlns:r="http://schemas.openxmlformats.org/officeDocument/2006/relationships" xmlns:p="http://schemas.openxmlformats.org/presentationml/2006/main">
   <p:cSld>
     <p:spTree>
@@ -13150,6 +12989,69 @@
 </p:sld>
 </file>
 
+<file path=ppt/slides/slide8.xml><?xml version="1.0" encoding="utf-8"?>
+<p:sld xmlns:a="http://schemas.openxmlformats.org/drawingml/2006/main" xmlns:r="http://schemas.openxmlformats.org/officeDocument/2006/relationships" xmlns:p="http://schemas.openxmlformats.org/presentationml/2006/main">
+  <p:cSld>
+    <p:spTree>
+      <p:nvGrpSpPr>
+        <p:cNvPr id="1" name=""/>
+        <p:cNvGrpSpPr/>
+        <p:nvPr/>
+      </p:nvGrpSpPr>
+      <p:grpSpPr>
+        <a:xfrm>
+          <a:off x="0" y="0"/>
+          <a:ext cx="0" cy="0"/>
+          <a:chOff x="0" y="0"/>
+          <a:chExt cx="0" cy="0"/>
+        </a:xfrm>
+      </p:grpSpPr>
+      <p:sp>
+        <p:nvSpPr>
+          <p:cNvPr id="2" name="Title 1"/>
+          <p:cNvSpPr>
+            <a:spLocks noGrp="1"/>
+          </p:cNvSpPr>
+          <p:nvPr>
+            <p:ph type="ctrTitle"/>
+          </p:nvPr>
+        </p:nvSpPr>
+        <p:spPr/>
+        <p:txBody>
+          <a:bodyPr/>
+          <a:lstStyle/>
+          <a:p>
+            <a:endParaRPr lang="en-US" dirty="0"/>
+          </a:p>
+        </p:txBody>
+      </p:sp>
+      <p:sp>
+        <p:nvSpPr>
+          <p:cNvPr id="3" name="Subtitle 2"/>
+          <p:cNvSpPr>
+            <a:spLocks noGrp="1"/>
+          </p:cNvSpPr>
+          <p:nvPr>
+            <p:ph type="subTitle" idx="1"/>
+          </p:nvPr>
+        </p:nvSpPr>
+        <p:spPr/>
+        <p:txBody>
+          <a:bodyPr/>
+          <a:lstStyle/>
+          <a:p>
+            <a:endParaRPr lang="en-US"/>
+          </a:p>
+        </p:txBody>
+      </p:sp>
+    </p:spTree>
+  </p:cSld>
+  <p:clrMapOvr>
+    <a:masterClrMapping/>
+  </p:clrMapOvr>
+</p:sld>
+</file>
+
 <file path=ppt/slides/slide9.xml><?xml version="1.0" encoding="utf-8"?>
 <p:sld xmlns:a="http://schemas.openxmlformats.org/drawingml/2006/main" xmlns:r="http://schemas.openxmlformats.org/officeDocument/2006/relationships" xmlns:p="http://schemas.openxmlformats.org/presentationml/2006/main">
   <p:cSld>
@@ -13206,25 +13108,33 @@
           <a:p>
             <a:r>
               <a:rPr lang="en-US" dirty="0"/>
-              <a:t>Locks are slow</a:t>
+              <a:t>Locks are Slow</a:t>
             </a:r>
           </a:p>
           <a:p>
             <a:r>
               <a:rPr lang="en-US" dirty="0"/>
-              <a:t>More threads didn’t always translate to speed up</a:t>
+              <a:t>More threads not always means speed up</a:t>
             </a:r>
           </a:p>
           <a:p>
             <a:r>
               <a:rPr lang="en-US" dirty="0"/>
-              <a:t>Algorithm should consider size of data and underlying architecture </a:t>
+              <a:t>Algorithm should be selected by size of data</a:t>
             </a:r>
           </a:p>
           <a:p>
             <a:r>
               <a:rPr lang="en-US" dirty="0"/>
-              <a:t>3X speed up was only 3ms improvement from single thread and 1.5ms from 3 thread</a:t>
+              <a:t>3X speed up was </a:t>
+            </a:r>
+            <a:r>
+              <a:rPr lang="en-US"/>
+              <a:t>only 3ms </a:t>
+            </a:r>
+            <a:r>
+              <a:rPr lang="en-US" dirty="0"/>
+              <a:t>improvement form single thread and 1.5ms from 3 thread</a:t>
             </a:r>
           </a:p>
           <a:p>
